--- a/(宣道詩108)頌讚主名.pptx
+++ b/(宣道詩108)頌讚主名.pptx
@@ -13,6 +13,10 @@
     <p:sldId id="263" r:id="rId7"/>
     <p:sldId id="259" r:id="rId8"/>
     <p:sldId id="260" r:id="rId9"/>
+    <p:sldId id="264" r:id="rId10"/>
+    <p:sldId id="265" r:id="rId11"/>
+    <p:sldId id="266" r:id="rId12"/>
+    <p:sldId id="267" r:id="rId13"/>
   </p:sldIdLst>
   <p:sldSz cx="9144000" cy="6858000" type="screen4x3"/>
   <p:notesSz cx="6858000" cy="9144000"/>
@@ -296,7 +300,7 @@
             <a:fld id="{C6AA4BA2-E9B8-4EFE-9EAE-9EAA4387E320}" type="datetimeFigureOut">
               <a:rPr lang="zh-TW" altLang="en-US" smtClean="0"/>
               <a:pPr/>
-              <a:t>2018/6/30</a:t>
+              <a:t>2019/6/25</a:t>
             </a:fld>
             <a:endParaRPr lang="zh-TW" altLang="en-US"/>
           </a:p>
@@ -463,7 +467,7 @@
             <a:fld id="{C6AA4BA2-E9B8-4EFE-9EAE-9EAA4387E320}" type="datetimeFigureOut">
               <a:rPr lang="zh-TW" altLang="en-US" smtClean="0"/>
               <a:pPr/>
-              <a:t>2018/6/30</a:t>
+              <a:t>2019/6/25</a:t>
             </a:fld>
             <a:endParaRPr lang="zh-TW" altLang="en-US"/>
           </a:p>
@@ -640,7 +644,7 @@
             <a:fld id="{C6AA4BA2-E9B8-4EFE-9EAE-9EAA4387E320}" type="datetimeFigureOut">
               <a:rPr lang="zh-TW" altLang="en-US" smtClean="0"/>
               <a:pPr/>
-              <a:t>2018/6/30</a:t>
+              <a:t>2019/6/25</a:t>
             </a:fld>
             <a:endParaRPr lang="zh-TW" altLang="en-US"/>
           </a:p>
@@ -807,7 +811,7 @@
             <a:fld id="{C6AA4BA2-E9B8-4EFE-9EAE-9EAA4387E320}" type="datetimeFigureOut">
               <a:rPr lang="zh-TW" altLang="en-US" smtClean="0"/>
               <a:pPr/>
-              <a:t>2018/6/30</a:t>
+              <a:t>2019/6/25</a:t>
             </a:fld>
             <a:endParaRPr lang="zh-TW" altLang="en-US"/>
           </a:p>
@@ -1050,7 +1054,7 @@
             <a:fld id="{C6AA4BA2-E9B8-4EFE-9EAE-9EAA4387E320}" type="datetimeFigureOut">
               <a:rPr lang="zh-TW" altLang="en-US" smtClean="0"/>
               <a:pPr/>
-              <a:t>2018/6/30</a:t>
+              <a:t>2019/6/25</a:t>
             </a:fld>
             <a:endParaRPr lang="zh-TW" altLang="en-US"/>
           </a:p>
@@ -1335,7 +1339,7 @@
             <a:fld id="{C6AA4BA2-E9B8-4EFE-9EAE-9EAA4387E320}" type="datetimeFigureOut">
               <a:rPr lang="zh-TW" altLang="en-US" smtClean="0"/>
               <a:pPr/>
-              <a:t>2018/6/30</a:t>
+              <a:t>2019/6/25</a:t>
             </a:fld>
             <a:endParaRPr lang="zh-TW" altLang="en-US"/>
           </a:p>
@@ -1754,7 +1758,7 @@
             <a:fld id="{C6AA4BA2-E9B8-4EFE-9EAE-9EAA4387E320}" type="datetimeFigureOut">
               <a:rPr lang="zh-TW" altLang="en-US" smtClean="0"/>
               <a:pPr/>
-              <a:t>2018/6/30</a:t>
+              <a:t>2019/6/25</a:t>
             </a:fld>
             <a:endParaRPr lang="zh-TW" altLang="en-US"/>
           </a:p>
@@ -1869,7 +1873,7 @@
             <a:fld id="{C6AA4BA2-E9B8-4EFE-9EAE-9EAA4387E320}" type="datetimeFigureOut">
               <a:rPr lang="zh-TW" altLang="en-US" smtClean="0"/>
               <a:pPr/>
-              <a:t>2018/6/30</a:t>
+              <a:t>2019/6/25</a:t>
             </a:fld>
             <a:endParaRPr lang="zh-TW" altLang="en-US"/>
           </a:p>
@@ -1961,7 +1965,7 @@
             <a:fld id="{C6AA4BA2-E9B8-4EFE-9EAE-9EAA4387E320}" type="datetimeFigureOut">
               <a:rPr lang="zh-TW" altLang="en-US" smtClean="0"/>
               <a:pPr/>
-              <a:t>2018/6/30</a:t>
+              <a:t>2019/6/25</a:t>
             </a:fld>
             <a:endParaRPr lang="zh-TW" altLang="en-US"/>
           </a:p>
@@ -2235,7 +2239,7 @@
             <a:fld id="{C6AA4BA2-E9B8-4EFE-9EAE-9EAA4387E320}" type="datetimeFigureOut">
               <a:rPr lang="zh-TW" altLang="en-US" smtClean="0"/>
               <a:pPr/>
-              <a:t>2018/6/30</a:t>
+              <a:t>2019/6/25</a:t>
             </a:fld>
             <a:endParaRPr lang="zh-TW" altLang="en-US"/>
           </a:p>
@@ -2489,7 +2493,7 @@
             <a:fld id="{C6AA4BA2-E9B8-4EFE-9EAE-9EAA4387E320}" type="datetimeFigureOut">
               <a:rPr lang="zh-TW" altLang="en-US" smtClean="0"/>
               <a:pPr/>
-              <a:t>2018/6/30</a:t>
+              <a:t>2019/6/25</a:t>
             </a:fld>
             <a:endParaRPr lang="zh-TW" altLang="en-US"/>
           </a:p>
@@ -2704,7 +2708,7 @@
             <a:fld id="{C6AA4BA2-E9B8-4EFE-9EAE-9EAA4387E320}" type="datetimeFigureOut">
               <a:rPr lang="zh-TW" altLang="en-US" smtClean="0"/>
               <a:pPr/>
-              <a:t>2018/6/30</a:t>
+              <a:t>2019/6/25</a:t>
             </a:fld>
             <a:endParaRPr lang="zh-TW" altLang="en-US"/>
           </a:p>
@@ -3270,6 +3274,453 @@
 </p:sld>
 </file>
 
+<file path=ppt/slides/slide10.xml><?xml version="1.0" encoding="utf-8"?>
+<p:sld xmlns:a="http://schemas.openxmlformats.org/drawingml/2006/main" xmlns:r="http://schemas.openxmlformats.org/officeDocument/2006/relationships" xmlns:p="http://schemas.openxmlformats.org/presentationml/2006/main">
+  <p:cSld>
+    <p:spTree>
+      <p:nvGrpSpPr>
+        <p:cNvPr id="1" name=""/>
+        <p:cNvGrpSpPr/>
+        <p:nvPr/>
+      </p:nvGrpSpPr>
+      <p:grpSpPr>
+        <a:xfrm>
+          <a:off x="0" y="0"/>
+          <a:ext cx="0" cy="0"/>
+          <a:chOff x="0" y="0"/>
+          <a:chExt cx="0" cy="0"/>
+        </a:xfrm>
+      </p:grpSpPr>
+      <p:sp>
+        <p:nvSpPr>
+          <p:cNvPr id="4" name="標題 3"/>
+          <p:cNvSpPr>
+            <a:spLocks noGrp="1"/>
+          </p:cNvSpPr>
+          <p:nvPr>
+            <p:ph type="title"/>
+          </p:nvPr>
+        </p:nvSpPr>
+        <p:spPr/>
+        <p:txBody>
+          <a:bodyPr>
+            <a:normAutofit/>
+          </a:bodyPr>
+          <a:lstStyle/>
+          <a:p>
+            <a:r>
+              <a:rPr lang="zh-TW" altLang="en-US" sz="6000" b="1" dirty="0"/>
+              <a:t>憑你意行</a:t>
+            </a:r>
+          </a:p>
+        </p:txBody>
+      </p:sp>
+      <p:sp>
+        <p:nvSpPr>
+          <p:cNvPr id="5" name="內容版面配置區 4"/>
+          <p:cNvSpPr>
+            <a:spLocks noGrp="1"/>
+          </p:cNvSpPr>
+          <p:nvPr>
+            <p:ph sz="quarter" idx="4294967295"/>
+          </p:nvPr>
+        </p:nvSpPr>
+        <p:spPr>
+          <a:xfrm>
+            <a:off x="0" y="1714488"/>
+            <a:ext cx="9144000" cy="4429156"/>
+          </a:xfrm>
+          <a:prstGeom prst="rect">
+            <a:avLst/>
+          </a:prstGeom>
+        </p:spPr>
+        <p:txBody>
+          <a:bodyPr>
+            <a:normAutofit/>
+          </a:bodyPr>
+          <a:lstStyle/>
+          <a:p>
+            <a:pPr algn="ctr">
+              <a:buNone/>
+            </a:pPr>
+            <a:r>
+              <a:rPr lang="zh-TW" altLang="en-US" sz="5400" b="1" dirty="0"/>
+              <a:t>憑你意</a:t>
+            </a:r>
+            <a:r>
+              <a:rPr lang="zh-TW" altLang="en-US" sz="5400" b="1" dirty="0" smtClean="0"/>
+              <a:t>行  主  憑</a:t>
+            </a:r>
+            <a:r>
+              <a:rPr lang="zh-TW" altLang="en-US" sz="5400" b="1" dirty="0"/>
+              <a:t>你意</a:t>
+            </a:r>
+            <a:r>
+              <a:rPr lang="zh-TW" altLang="en-US" sz="5400" b="1" dirty="0" smtClean="0"/>
+              <a:t>行</a:t>
+            </a:r>
+            <a:endParaRPr lang="en-US" altLang="zh-TW" sz="5400" b="1" dirty="0" smtClean="0"/>
+          </a:p>
+          <a:p>
+            <a:pPr algn="ctr">
+              <a:buNone/>
+            </a:pPr>
+            <a:r>
+              <a:rPr lang="zh-TW" altLang="en-US" sz="5400" b="1" dirty="0" smtClean="0"/>
+              <a:t>鑒察</a:t>
+            </a:r>
+            <a:r>
+              <a:rPr lang="zh-TW" altLang="en-US" sz="5400" b="1" dirty="0"/>
+              <a:t>試驗</a:t>
+            </a:r>
+            <a:r>
+              <a:rPr lang="zh-TW" altLang="en-US" sz="5400" b="1" dirty="0" smtClean="0"/>
+              <a:t>我  就</a:t>
+            </a:r>
+            <a:r>
+              <a:rPr lang="zh-TW" altLang="en-US" sz="5400" b="1" dirty="0"/>
+              <a:t>在</a:t>
+            </a:r>
+            <a:r>
+              <a:rPr lang="zh-TW" altLang="en-US" sz="5400" b="1" dirty="0" smtClean="0"/>
+              <a:t>今天</a:t>
+            </a:r>
+            <a:endParaRPr lang="en-US" altLang="zh-TW" sz="5400" b="1" dirty="0"/>
+          </a:p>
+          <a:p>
+            <a:pPr algn="ctr">
+              <a:buNone/>
+            </a:pPr>
+            <a:r>
+              <a:rPr lang="zh-TW" altLang="en-US" sz="5400" b="1" dirty="0" smtClean="0"/>
+              <a:t>求</a:t>
+            </a:r>
+            <a:r>
+              <a:rPr lang="zh-TW" altLang="en-US" sz="5400" b="1" dirty="0"/>
+              <a:t>主洗潔</a:t>
+            </a:r>
+            <a:r>
+              <a:rPr lang="zh-TW" altLang="en-US" sz="5400" b="1" dirty="0" smtClean="0"/>
+              <a:t>我  皎白如雪</a:t>
+            </a:r>
+            <a:endParaRPr lang="en-US" altLang="zh-TW" sz="5400" b="1" dirty="0" smtClean="0"/>
+          </a:p>
+          <a:p>
+            <a:pPr algn="ctr">
+              <a:buNone/>
+            </a:pPr>
+            <a:r>
+              <a:rPr lang="zh-TW" altLang="en-US" sz="5400" b="1" dirty="0" smtClean="0"/>
+              <a:t>我</a:t>
+            </a:r>
+            <a:r>
+              <a:rPr lang="zh-TW" altLang="en-US" sz="5400" b="1" dirty="0"/>
+              <a:t>謙卑</a:t>
+            </a:r>
+            <a:r>
+              <a:rPr lang="zh-TW" altLang="en-US" sz="5400" b="1" dirty="0" smtClean="0"/>
+              <a:t>跪下  在</a:t>
+            </a:r>
+            <a:r>
+              <a:rPr lang="zh-TW" altLang="en-US" sz="5400" b="1" dirty="0"/>
+              <a:t>主足前</a:t>
+            </a:r>
+          </a:p>
+        </p:txBody>
+      </p:sp>
+    </p:spTree>
+  </p:cSld>
+  <p:clrMapOvr>
+    <a:masterClrMapping/>
+  </p:clrMapOvr>
+</p:sld>
+</file>
+
+<file path=ppt/slides/slide11.xml><?xml version="1.0" encoding="utf-8"?>
+<p:sld xmlns:a="http://schemas.openxmlformats.org/drawingml/2006/main" xmlns:r="http://schemas.openxmlformats.org/officeDocument/2006/relationships" xmlns:p="http://schemas.openxmlformats.org/presentationml/2006/main">
+  <p:cSld>
+    <p:spTree>
+      <p:nvGrpSpPr>
+        <p:cNvPr id="1" name=""/>
+        <p:cNvGrpSpPr/>
+        <p:nvPr/>
+      </p:nvGrpSpPr>
+      <p:grpSpPr>
+        <a:xfrm>
+          <a:off x="0" y="0"/>
+          <a:ext cx="0" cy="0"/>
+          <a:chOff x="0" y="0"/>
+          <a:chExt cx="0" cy="0"/>
+        </a:xfrm>
+      </p:grpSpPr>
+      <p:sp>
+        <p:nvSpPr>
+          <p:cNvPr id="4" name="標題 3"/>
+          <p:cNvSpPr>
+            <a:spLocks noGrp="1"/>
+          </p:cNvSpPr>
+          <p:nvPr>
+            <p:ph type="title"/>
+          </p:nvPr>
+        </p:nvSpPr>
+        <p:spPr/>
+        <p:txBody>
+          <a:bodyPr>
+            <a:normAutofit/>
+          </a:bodyPr>
+          <a:lstStyle/>
+          <a:p>
+            <a:r>
+              <a:rPr lang="zh-TW" altLang="en-US" sz="6000" b="1" dirty="0"/>
+              <a:t>憑你意行</a:t>
+            </a:r>
+          </a:p>
+        </p:txBody>
+      </p:sp>
+      <p:sp>
+        <p:nvSpPr>
+          <p:cNvPr id="5" name="內容版面配置區 4"/>
+          <p:cNvSpPr>
+            <a:spLocks noGrp="1"/>
+          </p:cNvSpPr>
+          <p:nvPr>
+            <p:ph sz="quarter" idx="4294967295"/>
+          </p:nvPr>
+        </p:nvSpPr>
+        <p:spPr>
+          <a:xfrm>
+            <a:off x="0" y="1571612"/>
+            <a:ext cx="9144000" cy="4143404"/>
+          </a:xfrm>
+          <a:prstGeom prst="rect">
+            <a:avLst/>
+          </a:prstGeom>
+        </p:spPr>
+        <p:txBody>
+          <a:bodyPr>
+            <a:normAutofit/>
+          </a:bodyPr>
+          <a:lstStyle/>
+          <a:p>
+            <a:pPr algn="ctr">
+              <a:buNone/>
+            </a:pPr>
+            <a:r>
+              <a:rPr lang="zh-TW" altLang="en-US" sz="5400" b="1" dirty="0"/>
+              <a:t>憑你意</a:t>
+            </a:r>
+            <a:r>
+              <a:rPr lang="zh-TW" altLang="en-US" sz="5400" b="1" dirty="0" smtClean="0"/>
+              <a:t>行  主  憑</a:t>
+            </a:r>
+            <a:r>
+              <a:rPr lang="zh-TW" altLang="en-US" sz="5400" b="1" dirty="0"/>
+              <a:t>你意</a:t>
+            </a:r>
+            <a:r>
+              <a:rPr lang="zh-TW" altLang="en-US" sz="5400" b="1" dirty="0" smtClean="0"/>
+              <a:t>行</a:t>
+            </a:r>
+            <a:endParaRPr lang="en-US" altLang="zh-TW" sz="5400" b="1" dirty="0" smtClean="0"/>
+          </a:p>
+          <a:p>
+            <a:pPr algn="ctr">
+              <a:buNone/>
+            </a:pPr>
+            <a:r>
+              <a:rPr lang="zh-TW" altLang="en-US" sz="5400" b="1" dirty="0" smtClean="0"/>
+              <a:t>悲傷</a:t>
+            </a:r>
+            <a:r>
+              <a:rPr lang="zh-TW" altLang="en-US" sz="5400" b="1" dirty="0"/>
+              <a:t>與</a:t>
+            </a:r>
+            <a:r>
+              <a:rPr lang="zh-TW" altLang="en-US" sz="5400" b="1" dirty="0" smtClean="0"/>
+              <a:t>疲倦  求</a:t>
+            </a:r>
+            <a:r>
+              <a:rPr lang="zh-TW" altLang="en-US" sz="5400" b="1" dirty="0"/>
+              <a:t>主</a:t>
+            </a:r>
+            <a:r>
+              <a:rPr lang="zh-TW" altLang="en-US" sz="5400" b="1" dirty="0" smtClean="0"/>
+              <a:t>拯救</a:t>
+            </a:r>
+            <a:endParaRPr lang="en-US" altLang="zh-TW" sz="5400" b="1" dirty="0"/>
+          </a:p>
+          <a:p>
+            <a:pPr algn="ctr">
+              <a:buNone/>
+            </a:pPr>
+            <a:r>
+              <a:rPr lang="zh-TW" altLang="en-US" sz="5400" b="1" dirty="0" smtClean="0"/>
+              <a:t>權柄</a:t>
+            </a:r>
+            <a:r>
+              <a:rPr lang="zh-TW" altLang="en-US" sz="5400" b="1" dirty="0"/>
+              <a:t>眾</a:t>
+            </a:r>
+            <a:r>
+              <a:rPr lang="zh-TW" altLang="en-US" sz="5400" b="1" dirty="0" smtClean="0"/>
+              <a:t>權柄  全</a:t>
+            </a:r>
+            <a:r>
+              <a:rPr lang="zh-TW" altLang="en-US" sz="5400" b="1" dirty="0"/>
+              <a:t>屬我</a:t>
+            </a:r>
+            <a:r>
+              <a:rPr lang="zh-TW" altLang="en-US" sz="5400" b="1" dirty="0" smtClean="0"/>
+              <a:t>主</a:t>
+            </a:r>
+            <a:endParaRPr lang="en-US" altLang="zh-TW" sz="5400" b="1" dirty="0" smtClean="0"/>
+          </a:p>
+          <a:p>
+            <a:pPr algn="ctr">
+              <a:buNone/>
+            </a:pPr>
+            <a:r>
+              <a:rPr lang="zh-TW" altLang="en-US" sz="5400" b="1" dirty="0" smtClean="0"/>
+              <a:t>撫摸</a:t>
+            </a:r>
+            <a:r>
+              <a:rPr lang="zh-TW" altLang="en-US" sz="5400" b="1" dirty="0"/>
+              <a:t>並</a:t>
+            </a:r>
+            <a:r>
+              <a:rPr lang="zh-TW" altLang="en-US" sz="5400" b="1" dirty="0" smtClean="0"/>
+              <a:t>醫治  救主</a:t>
+            </a:r>
+            <a:r>
+              <a:rPr lang="zh-TW" altLang="en-US" sz="5400" b="1" dirty="0"/>
+              <a:t>我神</a:t>
+            </a:r>
+          </a:p>
+        </p:txBody>
+      </p:sp>
+    </p:spTree>
+  </p:cSld>
+  <p:clrMapOvr>
+    <a:masterClrMapping/>
+  </p:clrMapOvr>
+</p:sld>
+</file>
+
+<file path=ppt/slides/slide12.xml><?xml version="1.0" encoding="utf-8"?>
+<p:sld xmlns:a="http://schemas.openxmlformats.org/drawingml/2006/main" xmlns:r="http://schemas.openxmlformats.org/officeDocument/2006/relationships" xmlns:p="http://schemas.openxmlformats.org/presentationml/2006/main">
+  <p:cSld>
+    <p:spTree>
+      <p:nvGrpSpPr>
+        <p:cNvPr id="1" name=""/>
+        <p:cNvGrpSpPr/>
+        <p:nvPr/>
+      </p:nvGrpSpPr>
+      <p:grpSpPr>
+        <a:xfrm>
+          <a:off x="0" y="0"/>
+          <a:ext cx="0" cy="0"/>
+          <a:chOff x="0" y="0"/>
+          <a:chExt cx="0" cy="0"/>
+        </a:xfrm>
+      </p:grpSpPr>
+      <p:sp>
+        <p:nvSpPr>
+          <p:cNvPr id="4" name="標題 3"/>
+          <p:cNvSpPr>
+            <a:spLocks noGrp="1"/>
+          </p:cNvSpPr>
+          <p:nvPr>
+            <p:ph type="title"/>
+          </p:nvPr>
+        </p:nvSpPr>
+        <p:spPr/>
+        <p:txBody>
+          <a:bodyPr>
+            <a:normAutofit/>
+          </a:bodyPr>
+          <a:lstStyle/>
+          <a:p>
+            <a:r>
+              <a:rPr lang="zh-TW" altLang="en-US" sz="6000" b="1" dirty="0"/>
+              <a:t>憑你意行</a:t>
+            </a:r>
+          </a:p>
+        </p:txBody>
+      </p:sp>
+      <p:sp>
+        <p:nvSpPr>
+          <p:cNvPr id="5" name="內容版面配置區 4"/>
+          <p:cNvSpPr>
+            <a:spLocks noGrp="1"/>
+          </p:cNvSpPr>
+          <p:nvPr>
+            <p:ph sz="quarter" idx="4294967295"/>
+          </p:nvPr>
+        </p:nvSpPr>
+        <p:spPr>
+          <a:xfrm>
+            <a:off x="0" y="1571612"/>
+            <a:ext cx="9144000" cy="4286280"/>
+          </a:xfrm>
+          <a:prstGeom prst="rect">
+            <a:avLst/>
+          </a:prstGeom>
+        </p:spPr>
+        <p:txBody>
+          <a:bodyPr>
+            <a:normAutofit/>
+          </a:bodyPr>
+          <a:lstStyle/>
+          <a:p>
+            <a:pPr algn="ctr">
+              <a:buNone/>
+            </a:pPr>
+            <a:r>
+              <a:rPr lang="zh-TW" altLang="en-US" sz="5400" b="1" dirty="0" smtClean="0"/>
+              <a:t>憑你意行  主  憑你意行</a:t>
+            </a:r>
+            <a:endParaRPr lang="en-US" altLang="zh-TW" sz="5400" b="1" dirty="0" smtClean="0"/>
+          </a:p>
+          <a:p>
+            <a:pPr algn="ctr">
+              <a:buNone/>
+            </a:pPr>
+            <a:r>
+              <a:rPr lang="zh-TW" altLang="en-US" sz="5400" b="1" dirty="0" smtClean="0"/>
+              <a:t>管理我動作  全聽指揮</a:t>
+            </a:r>
+            <a:endParaRPr lang="en-US" altLang="zh-TW" sz="5400" b="1" dirty="0" smtClean="0"/>
+          </a:p>
+          <a:p>
+            <a:pPr algn="ctr">
+              <a:buNone/>
+            </a:pPr>
+            <a:r>
+              <a:rPr lang="zh-TW" altLang="en-US" sz="5400" b="1" dirty="0" smtClean="0"/>
+              <a:t>聖靈充滿我  顯然可見</a:t>
+            </a:r>
+            <a:endParaRPr lang="en-US" altLang="zh-TW" sz="5400" b="1" dirty="0" smtClean="0"/>
+          </a:p>
+          <a:p>
+            <a:pPr algn="ctr">
+              <a:buNone/>
+            </a:pPr>
+            <a:r>
+              <a:rPr lang="zh-TW" altLang="en-US" sz="5400" b="1" dirty="0" smtClean="0"/>
+              <a:t>獨有耶穌  居我心內</a:t>
+            </a:r>
+            <a:endParaRPr lang="zh-TW" altLang="en-US" sz="5400" b="1" dirty="0"/>
+          </a:p>
+        </p:txBody>
+      </p:sp>
+    </p:spTree>
+  </p:cSld>
+  <p:clrMapOvr>
+    <a:masterClrMapping/>
+  </p:clrMapOvr>
+</p:sld>
+</file>
+
 <file path=ppt/slides/slide2.xml><?xml version="1.0" encoding="utf-8"?>
 <p:sld xmlns:a="http://schemas.openxmlformats.org/drawingml/2006/main" xmlns:r="http://schemas.openxmlformats.org/officeDocument/2006/relationships" xmlns:p="http://schemas.openxmlformats.org/presentationml/2006/main">
   <p:cSld>
@@ -3299,7 +3750,9 @@
         </p:nvSpPr>
         <p:spPr/>
         <p:txBody>
-          <a:bodyPr/>
+          <a:bodyPr>
+            <a:normAutofit/>
+          </a:bodyPr>
           <a:lstStyle/>
           <a:p>
             <a:r>
@@ -4902,6 +5355,176 @@
                 <a:ea typeface="微軟正黑體" pitchFamily="34" charset="-120"/>
               </a:rPr>
               <a:t>榮耀歸主聖名</a:t>
+            </a:r>
+          </a:p>
+        </p:txBody>
+      </p:sp>
+    </p:spTree>
+  </p:cSld>
+  <p:clrMapOvr>
+    <a:masterClrMapping/>
+  </p:clrMapOvr>
+</p:sld>
+</file>
+
+<file path=ppt/slides/slide9.xml><?xml version="1.0" encoding="utf-8"?>
+<p:sld xmlns:a="http://schemas.openxmlformats.org/drawingml/2006/main" xmlns:r="http://schemas.openxmlformats.org/officeDocument/2006/relationships" xmlns:p="http://schemas.openxmlformats.org/presentationml/2006/main">
+  <p:cSld>
+    <p:spTree>
+      <p:nvGrpSpPr>
+        <p:cNvPr id="1" name=""/>
+        <p:cNvGrpSpPr/>
+        <p:nvPr/>
+      </p:nvGrpSpPr>
+      <p:grpSpPr>
+        <a:xfrm>
+          <a:off x="0" y="0"/>
+          <a:ext cx="0" cy="0"/>
+          <a:chOff x="0" y="0"/>
+          <a:chExt cx="0" cy="0"/>
+        </a:xfrm>
+      </p:grpSpPr>
+      <p:sp>
+        <p:nvSpPr>
+          <p:cNvPr id="4" name="標題 3"/>
+          <p:cNvSpPr>
+            <a:spLocks noGrp="1"/>
+          </p:cNvSpPr>
+          <p:nvPr>
+            <p:ph type="title"/>
+          </p:nvPr>
+        </p:nvSpPr>
+        <p:spPr/>
+        <p:txBody>
+          <a:bodyPr>
+            <a:normAutofit/>
+          </a:bodyPr>
+          <a:lstStyle/>
+          <a:p>
+            <a:r>
+              <a:rPr lang="zh-TW" altLang="en-US" sz="6000" b="1" dirty="0"/>
+              <a:t>憑你意行</a:t>
+            </a:r>
+          </a:p>
+        </p:txBody>
+      </p:sp>
+      <p:sp>
+        <p:nvSpPr>
+          <p:cNvPr id="5" name="內容版面配置區 4"/>
+          <p:cNvSpPr>
+            <a:spLocks noGrp="1"/>
+          </p:cNvSpPr>
+          <p:nvPr>
+            <p:ph sz="quarter" idx="4294967295"/>
+          </p:nvPr>
+        </p:nvSpPr>
+        <p:spPr>
+          <a:xfrm>
+            <a:off x="0" y="1643050"/>
+            <a:ext cx="9144000" cy="4572032"/>
+          </a:xfrm>
+          <a:prstGeom prst="rect">
+            <a:avLst/>
+          </a:prstGeom>
+        </p:spPr>
+        <p:txBody>
+          <a:bodyPr>
+            <a:normAutofit/>
+          </a:bodyPr>
+          <a:lstStyle/>
+          <a:p>
+            <a:pPr algn="ctr">
+              <a:buNone/>
+            </a:pPr>
+            <a:r>
+              <a:rPr lang="zh-TW" altLang="en-US" sz="5400" b="1" dirty="0"/>
+              <a:t>憑你意</a:t>
+            </a:r>
+            <a:r>
+              <a:rPr lang="zh-TW" altLang="en-US" sz="5400" b="1" dirty="0" smtClean="0"/>
+              <a:t>行  主  憑</a:t>
+            </a:r>
+            <a:r>
+              <a:rPr lang="zh-TW" altLang="en-US" sz="5400" b="1" dirty="0"/>
+              <a:t>你意</a:t>
+            </a:r>
+            <a:r>
+              <a:rPr lang="zh-TW" altLang="en-US" sz="5400" b="1" dirty="0" smtClean="0"/>
+              <a:t>行</a:t>
+            </a:r>
+            <a:endParaRPr lang="en-US" altLang="zh-TW" sz="5400" b="1" dirty="0" smtClean="0"/>
+          </a:p>
+          <a:p>
+            <a:pPr algn="ctr">
+              <a:buNone/>
+            </a:pPr>
+            <a:r>
+              <a:rPr lang="zh-TW" altLang="en-US" sz="5400" b="1" dirty="0" smtClean="0"/>
+              <a:t>因</a:t>
+            </a:r>
+            <a:r>
+              <a:rPr lang="zh-TW" altLang="en-US" sz="5400" b="1" dirty="0"/>
+              <a:t>主是陶</a:t>
+            </a:r>
+            <a:r>
+              <a:rPr lang="zh-TW" altLang="en-US" sz="5400" b="1" dirty="0" smtClean="0"/>
+              <a:t>匠  我</a:t>
+            </a:r>
+            <a:r>
+              <a:rPr lang="zh-TW" altLang="en-US" sz="5400" b="1" dirty="0"/>
+              <a:t>是</a:t>
+            </a:r>
+            <a:r>
+              <a:rPr lang="zh-TW" altLang="en-US" sz="5400" b="1" dirty="0" smtClean="0"/>
+              <a:t>泥土</a:t>
+            </a:r>
+            <a:endParaRPr lang="en-US" altLang="zh-TW" sz="5400" b="1" dirty="0"/>
+          </a:p>
+          <a:p>
+            <a:pPr algn="ctr">
+              <a:buNone/>
+            </a:pPr>
+            <a:r>
+              <a:rPr lang="zh-TW" altLang="en-US" sz="5400" b="1" dirty="0" smtClean="0"/>
+              <a:t>陶</a:t>
+            </a:r>
+            <a:r>
+              <a:rPr lang="zh-TW" altLang="en-US" sz="5400" b="1" dirty="0"/>
+              <a:t>我與造</a:t>
+            </a:r>
+            <a:r>
+              <a:rPr lang="zh-TW" altLang="en-US" sz="5400" b="1" dirty="0" smtClean="0"/>
+              <a:t>我  照</a:t>
+            </a:r>
+            <a:r>
+              <a:rPr lang="zh-TW" altLang="en-US" sz="5400" b="1" dirty="0"/>
+              <a:t>主</a:t>
+            </a:r>
+            <a:r>
+              <a:rPr lang="zh-TW" altLang="en-US" sz="5400" b="1" dirty="0" smtClean="0"/>
+              <a:t>意旨</a:t>
+            </a:r>
+            <a:endParaRPr lang="en-US" altLang="zh-TW" sz="5400" b="1" dirty="0" smtClean="0"/>
+          </a:p>
+          <a:p>
+            <a:pPr algn="ctr">
+              <a:buNone/>
+            </a:pPr>
+            <a:r>
+              <a:rPr lang="zh-TW" altLang="en-US" sz="5400" b="1" dirty="0" smtClean="0"/>
+              <a:t>我</a:t>
+            </a:r>
+            <a:r>
+              <a:rPr lang="zh-TW" altLang="en-US" sz="5400" b="1" dirty="0"/>
+              <a:t>在此</a:t>
+            </a:r>
+            <a:r>
+              <a:rPr lang="zh-TW" altLang="en-US" sz="5400" b="1" dirty="0" smtClean="0"/>
+              <a:t>等待  虔</a:t>
+            </a:r>
+            <a:r>
+              <a:rPr lang="zh-TW" altLang="en-US" sz="5400" b="1" dirty="0"/>
+              <a:t>恭候主</a:t>
             </a:r>
           </a:p>
         </p:txBody>

--- a/(宣道詩108)頌讚主名.pptx
+++ b/(宣道詩108)頌讚主名.pptx
@@ -13,12 +13,8 @@
     <p:sldId id="263" r:id="rId7"/>
     <p:sldId id="259" r:id="rId8"/>
     <p:sldId id="260" r:id="rId9"/>
-    <p:sldId id="264" r:id="rId10"/>
-    <p:sldId id="265" r:id="rId11"/>
-    <p:sldId id="266" r:id="rId12"/>
-    <p:sldId id="267" r:id="rId13"/>
   </p:sldIdLst>
-  <p:sldSz cx="9144000" cy="6858000" type="screen4x3"/>
+  <p:sldSz cx="12192000" cy="6858000"/>
   <p:notesSz cx="6858000" cy="9144000"/>
   <p:defaultTextStyle>
     <a:defPPr>
@@ -115,6 +111,22 @@
       </a:defRPr>
     </a:lvl9pPr>
   </p:defaultTextStyle>
+  <p:extLst>
+    <p:ext uri="{EFAFB233-063F-42B5-8137-9DF3F51BA10A}">
+      <p15:sldGuideLst xmlns:p15="http://schemas.microsoft.com/office/powerpoint/2012/main">
+        <p15:guide id="1" orient="horz" pos="2160" userDrawn="1">
+          <p15:clr>
+            <a:srgbClr val="A4A3A4"/>
+          </p15:clr>
+        </p15:guide>
+        <p15:guide id="2" pos="3840" userDrawn="1">
+          <p15:clr>
+            <a:srgbClr val="A4A3A4"/>
+          </p15:clr>
+        </p15:guide>
+      </p15:sldGuideLst>
+    </p:ext>
+  </p:extLst>
 </p:presentation>
 </file>
 
@@ -147,8 +159,8 @@
         </p:nvSpPr>
         <p:spPr>
           <a:xfrm>
-            <a:off x="685800" y="2130425"/>
-            <a:ext cx="7772400" cy="1470025"/>
+            <a:off x="914400" y="2130426"/>
+            <a:ext cx="10363200" cy="1470025"/>
           </a:xfrm>
         </p:spPr>
         <p:txBody>
@@ -175,8 +187,8 @@
         </p:nvSpPr>
         <p:spPr>
           <a:xfrm>
-            <a:off x="1371600" y="3886200"/>
-            <a:ext cx="6400800" cy="1752600"/>
+            <a:off x="1828800" y="3886200"/>
+            <a:ext cx="8534400" cy="1752600"/>
           </a:xfrm>
         </p:spPr>
         <p:txBody>
@@ -300,7 +312,7 @@
             <a:fld id="{C6AA4BA2-E9B8-4EFE-9EAE-9EAA4387E320}" type="datetimeFigureOut">
               <a:rPr lang="zh-TW" altLang="en-US" smtClean="0"/>
               <a:pPr/>
-              <a:t>2019/6/25</a:t>
+              <a:t>2020/2/28</a:t>
             </a:fld>
             <a:endParaRPr lang="zh-TW" altLang="en-US"/>
           </a:p>
@@ -467,7 +479,7 @@
             <a:fld id="{C6AA4BA2-E9B8-4EFE-9EAE-9EAA4387E320}" type="datetimeFigureOut">
               <a:rPr lang="zh-TW" altLang="en-US" smtClean="0"/>
               <a:pPr/>
-              <a:t>2019/6/25</a:t>
+              <a:t>2020/2/28</a:t>
             </a:fld>
             <a:endParaRPr lang="zh-TW" altLang="en-US"/>
           </a:p>
@@ -553,8 +565,8 @@
         </p:nvSpPr>
         <p:spPr>
           <a:xfrm>
-            <a:off x="6629400" y="274638"/>
-            <a:ext cx="2057400" cy="5851525"/>
+            <a:off x="8839200" y="274639"/>
+            <a:ext cx="2743200" cy="5851525"/>
           </a:xfrm>
         </p:spPr>
         <p:txBody>
@@ -581,8 +593,8 @@
         </p:nvSpPr>
         <p:spPr>
           <a:xfrm>
-            <a:off x="457200" y="274638"/>
-            <a:ext cx="6019800" cy="5851525"/>
+            <a:off x="609600" y="274639"/>
+            <a:ext cx="8026400" cy="5851525"/>
           </a:xfrm>
         </p:spPr>
         <p:txBody>
@@ -644,7 +656,7 @@
             <a:fld id="{C6AA4BA2-E9B8-4EFE-9EAE-9EAA4387E320}" type="datetimeFigureOut">
               <a:rPr lang="zh-TW" altLang="en-US" smtClean="0"/>
               <a:pPr/>
-              <a:t>2019/6/25</a:t>
+              <a:t>2020/2/28</a:t>
             </a:fld>
             <a:endParaRPr lang="zh-TW" altLang="en-US"/>
           </a:p>
@@ -811,7 +823,7 @@
             <a:fld id="{C6AA4BA2-E9B8-4EFE-9EAE-9EAA4387E320}" type="datetimeFigureOut">
               <a:rPr lang="zh-TW" altLang="en-US" smtClean="0"/>
               <a:pPr/>
-              <a:t>2019/6/25</a:t>
+              <a:t>2020/2/28</a:t>
             </a:fld>
             <a:endParaRPr lang="zh-TW" altLang="en-US"/>
           </a:p>
@@ -897,8 +909,8 @@
         </p:nvSpPr>
         <p:spPr>
           <a:xfrm>
-            <a:off x="722313" y="4406900"/>
-            <a:ext cx="7772400" cy="1362075"/>
+            <a:off x="963084" y="4406901"/>
+            <a:ext cx="10363200" cy="1362075"/>
           </a:xfrm>
         </p:spPr>
         <p:txBody>
@@ -929,8 +941,8 @@
         </p:nvSpPr>
         <p:spPr>
           <a:xfrm>
-            <a:off x="722313" y="2906713"/>
-            <a:ext cx="7772400" cy="1500187"/>
+            <a:off x="963084" y="2906713"/>
+            <a:ext cx="10363200" cy="1500187"/>
           </a:xfrm>
         </p:spPr>
         <p:txBody>
@@ -1054,7 +1066,7 @@
             <a:fld id="{C6AA4BA2-E9B8-4EFE-9EAE-9EAA4387E320}" type="datetimeFigureOut">
               <a:rPr lang="zh-TW" altLang="en-US" smtClean="0"/>
               <a:pPr/>
-              <a:t>2019/6/25</a:t>
+              <a:t>2020/2/28</a:t>
             </a:fld>
             <a:endParaRPr lang="zh-TW" altLang="en-US"/>
           </a:p>
@@ -1163,8 +1175,8 @@
         </p:nvSpPr>
         <p:spPr>
           <a:xfrm>
-            <a:off x="457200" y="1600200"/>
-            <a:ext cx="4038600" cy="4525963"/>
+            <a:off x="609600" y="1600201"/>
+            <a:ext cx="5384800" cy="4525963"/>
           </a:xfrm>
         </p:spPr>
         <p:txBody>
@@ -1248,8 +1260,8 @@
         </p:nvSpPr>
         <p:spPr>
           <a:xfrm>
-            <a:off x="4648200" y="1600200"/>
-            <a:ext cx="4038600" cy="4525963"/>
+            <a:off x="6197600" y="1600201"/>
+            <a:ext cx="5384800" cy="4525963"/>
           </a:xfrm>
         </p:spPr>
         <p:txBody>
@@ -1339,7 +1351,7 @@
             <a:fld id="{C6AA4BA2-E9B8-4EFE-9EAE-9EAA4387E320}" type="datetimeFigureOut">
               <a:rPr lang="zh-TW" altLang="en-US" smtClean="0"/>
               <a:pPr/>
-              <a:t>2019/6/25</a:t>
+              <a:t>2020/2/28</a:t>
             </a:fld>
             <a:endParaRPr lang="zh-TW" altLang="en-US"/>
           </a:p>
@@ -1452,8 +1464,8 @@
         </p:nvSpPr>
         <p:spPr>
           <a:xfrm>
-            <a:off x="457200" y="1535113"/>
-            <a:ext cx="4040188" cy="639762"/>
+            <a:off x="609600" y="1535113"/>
+            <a:ext cx="5386917" cy="639762"/>
           </a:xfrm>
         </p:spPr>
         <p:txBody>
@@ -1517,8 +1529,8 @@
         </p:nvSpPr>
         <p:spPr>
           <a:xfrm>
-            <a:off x="457200" y="2174875"/>
-            <a:ext cx="4040188" cy="3951288"/>
+            <a:off x="609600" y="2174875"/>
+            <a:ext cx="5386917" cy="3951288"/>
           </a:xfrm>
         </p:spPr>
         <p:txBody>
@@ -1602,8 +1614,8 @@
         </p:nvSpPr>
         <p:spPr>
           <a:xfrm>
-            <a:off x="4645025" y="1535113"/>
-            <a:ext cx="4041775" cy="639762"/>
+            <a:off x="6193368" y="1535113"/>
+            <a:ext cx="5389033" cy="639762"/>
           </a:xfrm>
         </p:spPr>
         <p:txBody>
@@ -1667,8 +1679,8 @@
         </p:nvSpPr>
         <p:spPr>
           <a:xfrm>
-            <a:off x="4645025" y="2174875"/>
-            <a:ext cx="4041775" cy="3951288"/>
+            <a:off x="6193368" y="2174875"/>
+            <a:ext cx="5389033" cy="3951288"/>
           </a:xfrm>
         </p:spPr>
         <p:txBody>
@@ -1758,7 +1770,7 @@
             <a:fld id="{C6AA4BA2-E9B8-4EFE-9EAE-9EAA4387E320}" type="datetimeFigureOut">
               <a:rPr lang="zh-TW" altLang="en-US" smtClean="0"/>
               <a:pPr/>
-              <a:t>2019/6/25</a:t>
+              <a:t>2020/2/28</a:t>
             </a:fld>
             <a:endParaRPr lang="zh-TW" altLang="en-US"/>
           </a:p>
@@ -1873,7 +1885,7 @@
             <a:fld id="{C6AA4BA2-E9B8-4EFE-9EAE-9EAA4387E320}" type="datetimeFigureOut">
               <a:rPr lang="zh-TW" altLang="en-US" smtClean="0"/>
               <a:pPr/>
-              <a:t>2019/6/25</a:t>
+              <a:t>2020/2/28</a:t>
             </a:fld>
             <a:endParaRPr lang="zh-TW" altLang="en-US"/>
           </a:p>
@@ -1965,7 +1977,7 @@
             <a:fld id="{C6AA4BA2-E9B8-4EFE-9EAE-9EAA4387E320}" type="datetimeFigureOut">
               <a:rPr lang="zh-TW" altLang="en-US" smtClean="0"/>
               <a:pPr/>
-              <a:t>2019/6/25</a:t>
+              <a:t>2020/2/28</a:t>
             </a:fld>
             <a:endParaRPr lang="zh-TW" altLang="en-US"/>
           </a:p>
@@ -2051,8 +2063,8 @@
         </p:nvSpPr>
         <p:spPr>
           <a:xfrm>
-            <a:off x="457200" y="273050"/>
-            <a:ext cx="3008313" cy="1162050"/>
+            <a:off x="609601" y="273050"/>
+            <a:ext cx="4011084" cy="1162050"/>
           </a:xfrm>
         </p:spPr>
         <p:txBody>
@@ -2083,8 +2095,8 @@
         </p:nvSpPr>
         <p:spPr>
           <a:xfrm>
-            <a:off x="3575050" y="273050"/>
-            <a:ext cx="5111750" cy="5853113"/>
+            <a:off x="4766733" y="273051"/>
+            <a:ext cx="6815667" cy="5853113"/>
           </a:xfrm>
         </p:spPr>
         <p:txBody>
@@ -2168,8 +2180,8 @@
         </p:nvSpPr>
         <p:spPr>
           <a:xfrm>
-            <a:off x="457200" y="1435100"/>
-            <a:ext cx="3008313" cy="4691063"/>
+            <a:off x="609601" y="1435101"/>
+            <a:ext cx="4011084" cy="4691063"/>
           </a:xfrm>
         </p:spPr>
         <p:txBody>
@@ -2239,7 +2251,7 @@
             <a:fld id="{C6AA4BA2-E9B8-4EFE-9EAE-9EAA4387E320}" type="datetimeFigureOut">
               <a:rPr lang="zh-TW" altLang="en-US" smtClean="0"/>
               <a:pPr/>
-              <a:t>2019/6/25</a:t>
+              <a:t>2020/2/28</a:t>
             </a:fld>
             <a:endParaRPr lang="zh-TW" altLang="en-US"/>
           </a:p>
@@ -2325,8 +2337,8 @@
         </p:nvSpPr>
         <p:spPr>
           <a:xfrm>
-            <a:off x="1792288" y="4800600"/>
-            <a:ext cx="5486400" cy="566738"/>
+            <a:off x="2389717" y="4800600"/>
+            <a:ext cx="7315200" cy="566738"/>
           </a:xfrm>
         </p:spPr>
         <p:txBody>
@@ -2357,8 +2369,8 @@
         </p:nvSpPr>
         <p:spPr>
           <a:xfrm>
-            <a:off x="1792288" y="612775"/>
-            <a:ext cx="5486400" cy="4114800"/>
+            <a:off x="2389717" y="612775"/>
+            <a:ext cx="7315200" cy="4114800"/>
           </a:xfrm>
         </p:spPr>
         <p:txBody>
@@ -2422,8 +2434,8 @@
         </p:nvSpPr>
         <p:spPr>
           <a:xfrm>
-            <a:off x="1792288" y="5367338"/>
-            <a:ext cx="5486400" cy="804862"/>
+            <a:off x="2389717" y="5367338"/>
+            <a:ext cx="7315200" cy="804862"/>
           </a:xfrm>
         </p:spPr>
         <p:txBody>
@@ -2493,7 +2505,7 @@
             <a:fld id="{C6AA4BA2-E9B8-4EFE-9EAE-9EAA4387E320}" type="datetimeFigureOut">
               <a:rPr lang="zh-TW" altLang="en-US" smtClean="0"/>
               <a:pPr/>
-              <a:t>2019/6/25</a:t>
+              <a:t>2020/2/28</a:t>
             </a:fld>
             <a:endParaRPr lang="zh-TW" altLang="en-US"/>
           </a:p>
@@ -2589,8 +2601,8 @@
         </p:nvSpPr>
         <p:spPr>
           <a:xfrm>
-            <a:off x="457200" y="274638"/>
-            <a:ext cx="8229600" cy="1143000"/>
+            <a:off x="609600" y="274638"/>
+            <a:ext cx="10972800" cy="1143000"/>
           </a:xfrm>
           <a:prstGeom prst="rect">
             <a:avLst/>
@@ -2622,8 +2634,8 @@
         </p:nvSpPr>
         <p:spPr>
           <a:xfrm>
-            <a:off x="457200" y="1600200"/>
-            <a:ext cx="8229600" cy="4525963"/>
+            <a:off x="609600" y="1600201"/>
+            <a:ext cx="10972800" cy="4525963"/>
           </a:xfrm>
           <a:prstGeom prst="rect">
             <a:avLst/>
@@ -2684,8 +2696,8 @@
         </p:nvSpPr>
         <p:spPr>
           <a:xfrm>
-            <a:off x="457200" y="6356350"/>
-            <a:ext cx="2133600" cy="365125"/>
+            <a:off x="609600" y="6356351"/>
+            <a:ext cx="2844800" cy="365125"/>
           </a:xfrm>
           <a:prstGeom prst="rect">
             <a:avLst/>
@@ -2708,7 +2720,7 @@
             <a:fld id="{C6AA4BA2-E9B8-4EFE-9EAE-9EAA4387E320}" type="datetimeFigureOut">
               <a:rPr lang="zh-TW" altLang="en-US" smtClean="0"/>
               <a:pPr/>
-              <a:t>2019/6/25</a:t>
+              <a:t>2020/2/28</a:t>
             </a:fld>
             <a:endParaRPr lang="zh-TW" altLang="en-US"/>
           </a:p>
@@ -2726,8 +2738,8 @@
         </p:nvSpPr>
         <p:spPr>
           <a:xfrm>
-            <a:off x="3124200" y="6356350"/>
-            <a:ext cx="2895600" cy="365125"/>
+            <a:off x="4165600" y="6356351"/>
+            <a:ext cx="3860800" cy="365125"/>
           </a:xfrm>
           <a:prstGeom prst="rect">
             <a:avLst/>
@@ -2763,8 +2775,8 @@
         </p:nvSpPr>
         <p:spPr>
           <a:xfrm>
-            <a:off x="6553200" y="6356350"/>
-            <a:ext cx="2133600" cy="365125"/>
+            <a:off x="8737600" y="6356351"/>
+            <a:ext cx="2844800" cy="365125"/>
           </a:xfrm>
           <a:prstGeom prst="rect">
             <a:avLst/>
@@ -3138,7 +3150,7 @@
               <a:t>頌讚榮耀都歸</a:t>
             </a:r>
             <a:r>
-              <a:rPr lang="zh-TW" altLang="en-US" sz="5400" b="1" dirty="0" smtClean="0">
+              <a:rPr lang="zh-TW" altLang="en-US" sz="5400" b="1" dirty="0">
                 <a:solidFill>
                   <a:srgbClr val="000066"/>
                 </a:solidFill>
@@ -3147,7 +3159,7 @@
               </a:rPr>
               <a:t>主宰</a:t>
             </a:r>
-            <a:endParaRPr lang="en-US" altLang="zh-TW" sz="5400" b="1" dirty="0" smtClean="0">
+            <a:endParaRPr lang="en-US" altLang="zh-TW" sz="5400" b="1" dirty="0">
               <a:solidFill>
                 <a:srgbClr val="000066"/>
               </a:solidFill>
@@ -3160,7 +3172,7 @@
               <a:buNone/>
             </a:pPr>
             <a:r>
-              <a:rPr lang="zh-TW" altLang="en-US" sz="5400" b="1" dirty="0" smtClean="0">
+              <a:rPr lang="zh-TW" altLang="en-US" sz="5400" b="1" dirty="0">
                 <a:solidFill>
                   <a:srgbClr val="000066"/>
                 </a:solidFill>
@@ -3180,7 +3192,7 @@
               <a:t>全能</a:t>
             </a:r>
             <a:r>
-              <a:rPr lang="zh-TW" altLang="en-US" sz="5400" b="1" dirty="0" smtClean="0">
+              <a:rPr lang="zh-TW" altLang="en-US" sz="5400" b="1" dirty="0">
                 <a:solidFill>
                   <a:srgbClr val="000066"/>
                 </a:solidFill>
@@ -3189,7 +3201,7 @@
               </a:rPr>
               <a:t>真神</a:t>
             </a:r>
-            <a:endParaRPr lang="en-US" altLang="zh-TW" sz="5400" b="1" dirty="0" smtClean="0">
+            <a:endParaRPr lang="en-US" altLang="zh-TW" sz="5400" b="1" dirty="0">
               <a:solidFill>
                 <a:srgbClr val="000066"/>
               </a:solidFill>
@@ -3202,7 +3214,7 @@
               <a:buNone/>
             </a:pPr>
             <a:r>
-              <a:rPr lang="zh-TW" altLang="en-US" sz="5400" b="1" dirty="0" smtClean="0">
+              <a:rPr lang="zh-TW" altLang="en-US" sz="5400" b="1" dirty="0">
                 <a:solidFill>
                   <a:srgbClr val="000066"/>
                 </a:solidFill>
@@ -3222,7 +3234,7 @@
               <a:t>愛世人差</a:t>
             </a:r>
             <a:r>
-              <a:rPr lang="zh-TW" altLang="en-US" sz="5400" b="1" dirty="0" smtClean="0">
+              <a:rPr lang="zh-TW" altLang="en-US" sz="5400" b="1" dirty="0">
                 <a:solidFill>
                   <a:srgbClr val="000066"/>
                 </a:solidFill>
@@ -3231,7 +3243,7 @@
               </a:rPr>
               <a:t>獨生子</a:t>
             </a:r>
-            <a:endParaRPr lang="en-US" altLang="zh-TW" sz="5400" b="1" dirty="0" smtClean="0">
+            <a:endParaRPr lang="en-US" altLang="zh-TW" sz="5400" b="1" dirty="0">
               <a:solidFill>
                 <a:srgbClr val="000066"/>
               </a:solidFill>
@@ -3244,7 +3256,7 @@
               <a:buNone/>
             </a:pPr>
             <a:r>
-              <a:rPr lang="zh-TW" altLang="en-US" sz="5400" b="1" dirty="0" smtClean="0">
+              <a:rPr lang="zh-TW" altLang="en-US" sz="5400" b="1" dirty="0">
                 <a:solidFill>
                   <a:srgbClr val="000066"/>
                 </a:solidFill>
@@ -3263,453 +3275,6 @@
               </a:rPr>
               <a:t>受死捨身</a:t>
             </a:r>
-          </a:p>
-        </p:txBody>
-      </p:sp>
-    </p:spTree>
-  </p:cSld>
-  <p:clrMapOvr>
-    <a:masterClrMapping/>
-  </p:clrMapOvr>
-</p:sld>
-</file>
-
-<file path=ppt/slides/slide10.xml><?xml version="1.0" encoding="utf-8"?>
-<p:sld xmlns:a="http://schemas.openxmlformats.org/drawingml/2006/main" xmlns:r="http://schemas.openxmlformats.org/officeDocument/2006/relationships" xmlns:p="http://schemas.openxmlformats.org/presentationml/2006/main">
-  <p:cSld>
-    <p:spTree>
-      <p:nvGrpSpPr>
-        <p:cNvPr id="1" name=""/>
-        <p:cNvGrpSpPr/>
-        <p:nvPr/>
-      </p:nvGrpSpPr>
-      <p:grpSpPr>
-        <a:xfrm>
-          <a:off x="0" y="0"/>
-          <a:ext cx="0" cy="0"/>
-          <a:chOff x="0" y="0"/>
-          <a:chExt cx="0" cy="0"/>
-        </a:xfrm>
-      </p:grpSpPr>
-      <p:sp>
-        <p:nvSpPr>
-          <p:cNvPr id="4" name="標題 3"/>
-          <p:cNvSpPr>
-            <a:spLocks noGrp="1"/>
-          </p:cNvSpPr>
-          <p:nvPr>
-            <p:ph type="title"/>
-          </p:nvPr>
-        </p:nvSpPr>
-        <p:spPr/>
-        <p:txBody>
-          <a:bodyPr>
-            <a:normAutofit/>
-          </a:bodyPr>
-          <a:lstStyle/>
-          <a:p>
-            <a:r>
-              <a:rPr lang="zh-TW" altLang="en-US" sz="6000" b="1" dirty="0"/>
-              <a:t>憑你意行</a:t>
-            </a:r>
-          </a:p>
-        </p:txBody>
-      </p:sp>
-      <p:sp>
-        <p:nvSpPr>
-          <p:cNvPr id="5" name="內容版面配置區 4"/>
-          <p:cNvSpPr>
-            <a:spLocks noGrp="1"/>
-          </p:cNvSpPr>
-          <p:nvPr>
-            <p:ph sz="quarter" idx="4294967295"/>
-          </p:nvPr>
-        </p:nvSpPr>
-        <p:spPr>
-          <a:xfrm>
-            <a:off x="0" y="1714488"/>
-            <a:ext cx="9144000" cy="4429156"/>
-          </a:xfrm>
-          <a:prstGeom prst="rect">
-            <a:avLst/>
-          </a:prstGeom>
-        </p:spPr>
-        <p:txBody>
-          <a:bodyPr>
-            <a:normAutofit/>
-          </a:bodyPr>
-          <a:lstStyle/>
-          <a:p>
-            <a:pPr algn="ctr">
-              <a:buNone/>
-            </a:pPr>
-            <a:r>
-              <a:rPr lang="zh-TW" altLang="en-US" sz="5400" b="1" dirty="0"/>
-              <a:t>憑你意</a:t>
-            </a:r>
-            <a:r>
-              <a:rPr lang="zh-TW" altLang="en-US" sz="5400" b="1" dirty="0" smtClean="0"/>
-              <a:t>行  主  憑</a:t>
-            </a:r>
-            <a:r>
-              <a:rPr lang="zh-TW" altLang="en-US" sz="5400" b="1" dirty="0"/>
-              <a:t>你意</a:t>
-            </a:r>
-            <a:r>
-              <a:rPr lang="zh-TW" altLang="en-US" sz="5400" b="1" dirty="0" smtClean="0"/>
-              <a:t>行</a:t>
-            </a:r>
-            <a:endParaRPr lang="en-US" altLang="zh-TW" sz="5400" b="1" dirty="0" smtClean="0"/>
-          </a:p>
-          <a:p>
-            <a:pPr algn="ctr">
-              <a:buNone/>
-            </a:pPr>
-            <a:r>
-              <a:rPr lang="zh-TW" altLang="en-US" sz="5400" b="1" dirty="0" smtClean="0"/>
-              <a:t>鑒察</a:t>
-            </a:r>
-            <a:r>
-              <a:rPr lang="zh-TW" altLang="en-US" sz="5400" b="1" dirty="0"/>
-              <a:t>試驗</a:t>
-            </a:r>
-            <a:r>
-              <a:rPr lang="zh-TW" altLang="en-US" sz="5400" b="1" dirty="0" smtClean="0"/>
-              <a:t>我  就</a:t>
-            </a:r>
-            <a:r>
-              <a:rPr lang="zh-TW" altLang="en-US" sz="5400" b="1" dirty="0"/>
-              <a:t>在</a:t>
-            </a:r>
-            <a:r>
-              <a:rPr lang="zh-TW" altLang="en-US" sz="5400" b="1" dirty="0" smtClean="0"/>
-              <a:t>今天</a:t>
-            </a:r>
-            <a:endParaRPr lang="en-US" altLang="zh-TW" sz="5400" b="1" dirty="0"/>
-          </a:p>
-          <a:p>
-            <a:pPr algn="ctr">
-              <a:buNone/>
-            </a:pPr>
-            <a:r>
-              <a:rPr lang="zh-TW" altLang="en-US" sz="5400" b="1" dirty="0" smtClean="0"/>
-              <a:t>求</a:t>
-            </a:r>
-            <a:r>
-              <a:rPr lang="zh-TW" altLang="en-US" sz="5400" b="1" dirty="0"/>
-              <a:t>主洗潔</a:t>
-            </a:r>
-            <a:r>
-              <a:rPr lang="zh-TW" altLang="en-US" sz="5400" b="1" dirty="0" smtClean="0"/>
-              <a:t>我  皎白如雪</a:t>
-            </a:r>
-            <a:endParaRPr lang="en-US" altLang="zh-TW" sz="5400" b="1" dirty="0" smtClean="0"/>
-          </a:p>
-          <a:p>
-            <a:pPr algn="ctr">
-              <a:buNone/>
-            </a:pPr>
-            <a:r>
-              <a:rPr lang="zh-TW" altLang="en-US" sz="5400" b="1" dirty="0" smtClean="0"/>
-              <a:t>我</a:t>
-            </a:r>
-            <a:r>
-              <a:rPr lang="zh-TW" altLang="en-US" sz="5400" b="1" dirty="0"/>
-              <a:t>謙卑</a:t>
-            </a:r>
-            <a:r>
-              <a:rPr lang="zh-TW" altLang="en-US" sz="5400" b="1" dirty="0" smtClean="0"/>
-              <a:t>跪下  在</a:t>
-            </a:r>
-            <a:r>
-              <a:rPr lang="zh-TW" altLang="en-US" sz="5400" b="1" dirty="0"/>
-              <a:t>主足前</a:t>
-            </a:r>
-          </a:p>
-        </p:txBody>
-      </p:sp>
-    </p:spTree>
-  </p:cSld>
-  <p:clrMapOvr>
-    <a:masterClrMapping/>
-  </p:clrMapOvr>
-</p:sld>
-</file>
-
-<file path=ppt/slides/slide11.xml><?xml version="1.0" encoding="utf-8"?>
-<p:sld xmlns:a="http://schemas.openxmlformats.org/drawingml/2006/main" xmlns:r="http://schemas.openxmlformats.org/officeDocument/2006/relationships" xmlns:p="http://schemas.openxmlformats.org/presentationml/2006/main">
-  <p:cSld>
-    <p:spTree>
-      <p:nvGrpSpPr>
-        <p:cNvPr id="1" name=""/>
-        <p:cNvGrpSpPr/>
-        <p:nvPr/>
-      </p:nvGrpSpPr>
-      <p:grpSpPr>
-        <a:xfrm>
-          <a:off x="0" y="0"/>
-          <a:ext cx="0" cy="0"/>
-          <a:chOff x="0" y="0"/>
-          <a:chExt cx="0" cy="0"/>
-        </a:xfrm>
-      </p:grpSpPr>
-      <p:sp>
-        <p:nvSpPr>
-          <p:cNvPr id="4" name="標題 3"/>
-          <p:cNvSpPr>
-            <a:spLocks noGrp="1"/>
-          </p:cNvSpPr>
-          <p:nvPr>
-            <p:ph type="title"/>
-          </p:nvPr>
-        </p:nvSpPr>
-        <p:spPr/>
-        <p:txBody>
-          <a:bodyPr>
-            <a:normAutofit/>
-          </a:bodyPr>
-          <a:lstStyle/>
-          <a:p>
-            <a:r>
-              <a:rPr lang="zh-TW" altLang="en-US" sz="6000" b="1" dirty="0"/>
-              <a:t>憑你意行</a:t>
-            </a:r>
-          </a:p>
-        </p:txBody>
-      </p:sp>
-      <p:sp>
-        <p:nvSpPr>
-          <p:cNvPr id="5" name="內容版面配置區 4"/>
-          <p:cNvSpPr>
-            <a:spLocks noGrp="1"/>
-          </p:cNvSpPr>
-          <p:nvPr>
-            <p:ph sz="quarter" idx="4294967295"/>
-          </p:nvPr>
-        </p:nvSpPr>
-        <p:spPr>
-          <a:xfrm>
-            <a:off x="0" y="1571612"/>
-            <a:ext cx="9144000" cy="4143404"/>
-          </a:xfrm>
-          <a:prstGeom prst="rect">
-            <a:avLst/>
-          </a:prstGeom>
-        </p:spPr>
-        <p:txBody>
-          <a:bodyPr>
-            <a:normAutofit/>
-          </a:bodyPr>
-          <a:lstStyle/>
-          <a:p>
-            <a:pPr algn="ctr">
-              <a:buNone/>
-            </a:pPr>
-            <a:r>
-              <a:rPr lang="zh-TW" altLang="en-US" sz="5400" b="1" dirty="0"/>
-              <a:t>憑你意</a:t>
-            </a:r>
-            <a:r>
-              <a:rPr lang="zh-TW" altLang="en-US" sz="5400" b="1" dirty="0" smtClean="0"/>
-              <a:t>行  主  憑</a:t>
-            </a:r>
-            <a:r>
-              <a:rPr lang="zh-TW" altLang="en-US" sz="5400" b="1" dirty="0"/>
-              <a:t>你意</a:t>
-            </a:r>
-            <a:r>
-              <a:rPr lang="zh-TW" altLang="en-US" sz="5400" b="1" dirty="0" smtClean="0"/>
-              <a:t>行</a:t>
-            </a:r>
-            <a:endParaRPr lang="en-US" altLang="zh-TW" sz="5400" b="1" dirty="0" smtClean="0"/>
-          </a:p>
-          <a:p>
-            <a:pPr algn="ctr">
-              <a:buNone/>
-            </a:pPr>
-            <a:r>
-              <a:rPr lang="zh-TW" altLang="en-US" sz="5400" b="1" dirty="0" smtClean="0"/>
-              <a:t>悲傷</a:t>
-            </a:r>
-            <a:r>
-              <a:rPr lang="zh-TW" altLang="en-US" sz="5400" b="1" dirty="0"/>
-              <a:t>與</a:t>
-            </a:r>
-            <a:r>
-              <a:rPr lang="zh-TW" altLang="en-US" sz="5400" b="1" dirty="0" smtClean="0"/>
-              <a:t>疲倦  求</a:t>
-            </a:r>
-            <a:r>
-              <a:rPr lang="zh-TW" altLang="en-US" sz="5400" b="1" dirty="0"/>
-              <a:t>主</a:t>
-            </a:r>
-            <a:r>
-              <a:rPr lang="zh-TW" altLang="en-US" sz="5400" b="1" dirty="0" smtClean="0"/>
-              <a:t>拯救</a:t>
-            </a:r>
-            <a:endParaRPr lang="en-US" altLang="zh-TW" sz="5400" b="1" dirty="0"/>
-          </a:p>
-          <a:p>
-            <a:pPr algn="ctr">
-              <a:buNone/>
-            </a:pPr>
-            <a:r>
-              <a:rPr lang="zh-TW" altLang="en-US" sz="5400" b="1" dirty="0" smtClean="0"/>
-              <a:t>權柄</a:t>
-            </a:r>
-            <a:r>
-              <a:rPr lang="zh-TW" altLang="en-US" sz="5400" b="1" dirty="0"/>
-              <a:t>眾</a:t>
-            </a:r>
-            <a:r>
-              <a:rPr lang="zh-TW" altLang="en-US" sz="5400" b="1" dirty="0" smtClean="0"/>
-              <a:t>權柄  全</a:t>
-            </a:r>
-            <a:r>
-              <a:rPr lang="zh-TW" altLang="en-US" sz="5400" b="1" dirty="0"/>
-              <a:t>屬我</a:t>
-            </a:r>
-            <a:r>
-              <a:rPr lang="zh-TW" altLang="en-US" sz="5400" b="1" dirty="0" smtClean="0"/>
-              <a:t>主</a:t>
-            </a:r>
-            <a:endParaRPr lang="en-US" altLang="zh-TW" sz="5400" b="1" dirty="0" smtClean="0"/>
-          </a:p>
-          <a:p>
-            <a:pPr algn="ctr">
-              <a:buNone/>
-            </a:pPr>
-            <a:r>
-              <a:rPr lang="zh-TW" altLang="en-US" sz="5400" b="1" dirty="0" smtClean="0"/>
-              <a:t>撫摸</a:t>
-            </a:r>
-            <a:r>
-              <a:rPr lang="zh-TW" altLang="en-US" sz="5400" b="1" dirty="0"/>
-              <a:t>並</a:t>
-            </a:r>
-            <a:r>
-              <a:rPr lang="zh-TW" altLang="en-US" sz="5400" b="1" dirty="0" smtClean="0"/>
-              <a:t>醫治  救主</a:t>
-            </a:r>
-            <a:r>
-              <a:rPr lang="zh-TW" altLang="en-US" sz="5400" b="1" dirty="0"/>
-              <a:t>我神</a:t>
-            </a:r>
-          </a:p>
-        </p:txBody>
-      </p:sp>
-    </p:spTree>
-  </p:cSld>
-  <p:clrMapOvr>
-    <a:masterClrMapping/>
-  </p:clrMapOvr>
-</p:sld>
-</file>
-
-<file path=ppt/slides/slide12.xml><?xml version="1.0" encoding="utf-8"?>
-<p:sld xmlns:a="http://schemas.openxmlformats.org/drawingml/2006/main" xmlns:r="http://schemas.openxmlformats.org/officeDocument/2006/relationships" xmlns:p="http://schemas.openxmlformats.org/presentationml/2006/main">
-  <p:cSld>
-    <p:spTree>
-      <p:nvGrpSpPr>
-        <p:cNvPr id="1" name=""/>
-        <p:cNvGrpSpPr/>
-        <p:nvPr/>
-      </p:nvGrpSpPr>
-      <p:grpSpPr>
-        <a:xfrm>
-          <a:off x="0" y="0"/>
-          <a:ext cx="0" cy="0"/>
-          <a:chOff x="0" y="0"/>
-          <a:chExt cx="0" cy="0"/>
-        </a:xfrm>
-      </p:grpSpPr>
-      <p:sp>
-        <p:nvSpPr>
-          <p:cNvPr id="4" name="標題 3"/>
-          <p:cNvSpPr>
-            <a:spLocks noGrp="1"/>
-          </p:cNvSpPr>
-          <p:nvPr>
-            <p:ph type="title"/>
-          </p:nvPr>
-        </p:nvSpPr>
-        <p:spPr/>
-        <p:txBody>
-          <a:bodyPr>
-            <a:normAutofit/>
-          </a:bodyPr>
-          <a:lstStyle/>
-          <a:p>
-            <a:r>
-              <a:rPr lang="zh-TW" altLang="en-US" sz="6000" b="1" dirty="0"/>
-              <a:t>憑你意行</a:t>
-            </a:r>
-          </a:p>
-        </p:txBody>
-      </p:sp>
-      <p:sp>
-        <p:nvSpPr>
-          <p:cNvPr id="5" name="內容版面配置區 4"/>
-          <p:cNvSpPr>
-            <a:spLocks noGrp="1"/>
-          </p:cNvSpPr>
-          <p:nvPr>
-            <p:ph sz="quarter" idx="4294967295"/>
-          </p:nvPr>
-        </p:nvSpPr>
-        <p:spPr>
-          <a:xfrm>
-            <a:off x="0" y="1571612"/>
-            <a:ext cx="9144000" cy="4286280"/>
-          </a:xfrm>
-          <a:prstGeom prst="rect">
-            <a:avLst/>
-          </a:prstGeom>
-        </p:spPr>
-        <p:txBody>
-          <a:bodyPr>
-            <a:normAutofit/>
-          </a:bodyPr>
-          <a:lstStyle/>
-          <a:p>
-            <a:pPr algn="ctr">
-              <a:buNone/>
-            </a:pPr>
-            <a:r>
-              <a:rPr lang="zh-TW" altLang="en-US" sz="5400" b="1" dirty="0" smtClean="0"/>
-              <a:t>憑你意行  主  憑你意行</a:t>
-            </a:r>
-            <a:endParaRPr lang="en-US" altLang="zh-TW" sz="5400" b="1" dirty="0" smtClean="0"/>
-          </a:p>
-          <a:p>
-            <a:pPr algn="ctr">
-              <a:buNone/>
-            </a:pPr>
-            <a:r>
-              <a:rPr lang="zh-TW" altLang="en-US" sz="5400" b="1" dirty="0" smtClean="0"/>
-              <a:t>管理我動作  全聽指揮</a:t>
-            </a:r>
-            <a:endParaRPr lang="en-US" altLang="zh-TW" sz="5400" b="1" dirty="0" smtClean="0"/>
-          </a:p>
-          <a:p>
-            <a:pPr algn="ctr">
-              <a:buNone/>
-            </a:pPr>
-            <a:r>
-              <a:rPr lang="zh-TW" altLang="en-US" sz="5400" b="1" dirty="0" smtClean="0"/>
-              <a:t>聖靈充滿我  顯然可見</a:t>
-            </a:r>
-            <a:endParaRPr lang="en-US" altLang="zh-TW" sz="5400" b="1" dirty="0" smtClean="0"/>
-          </a:p>
-          <a:p>
-            <a:pPr algn="ctr">
-              <a:buNone/>
-            </a:pPr>
-            <a:r>
-              <a:rPr lang="zh-TW" altLang="en-US" sz="5400" b="1" dirty="0" smtClean="0"/>
-              <a:t>獨有耶穌  居我心內</a:t>
-            </a:r>
-            <a:endParaRPr lang="zh-TW" altLang="en-US" sz="5400" b="1" dirty="0"/>
           </a:p>
         </p:txBody>
       </p:sp>
@@ -3799,7 +3364,7 @@
               <a:t>頌讚主聖</a:t>
             </a:r>
             <a:r>
-              <a:rPr lang="zh-TW" altLang="en-US" sz="5400" b="1" dirty="0" smtClean="0">
+              <a:rPr lang="zh-TW" altLang="en-US" sz="5400" b="1" dirty="0">
                 <a:solidFill>
                   <a:srgbClr val="000066"/>
                 </a:solidFill>
@@ -3819,7 +3384,7 @@
               <a:t>主聖</a:t>
             </a:r>
             <a:r>
-              <a:rPr lang="zh-TW" altLang="en-US" sz="5400" b="1" dirty="0" smtClean="0">
+              <a:rPr lang="zh-TW" altLang="en-US" sz="5400" b="1" dirty="0">
                 <a:solidFill>
                   <a:srgbClr val="000066"/>
                 </a:solidFill>
@@ -3828,7 +3393,7 @@
               </a:rPr>
               <a:t>名</a:t>
             </a:r>
-            <a:endParaRPr lang="en-US" altLang="zh-TW" sz="5400" b="1" dirty="0" smtClean="0">
+            <a:endParaRPr lang="en-US" altLang="zh-TW" sz="5400" b="1" dirty="0">
               <a:solidFill>
                 <a:srgbClr val="000066"/>
               </a:solidFill>
@@ -3841,7 +3406,7 @@
               <a:buNone/>
             </a:pPr>
             <a:r>
-              <a:rPr lang="zh-TW" altLang="en-US" sz="5400" b="1" dirty="0" smtClean="0">
+              <a:rPr lang="zh-TW" altLang="en-US" sz="5400" b="1" dirty="0">
                 <a:solidFill>
                   <a:srgbClr val="000066"/>
                 </a:solidFill>
@@ -3861,7 +3426,7 @@
               <a:t>榮耀歸主聖</a:t>
             </a:r>
             <a:r>
-              <a:rPr lang="zh-TW" altLang="en-US" sz="5400" b="1" dirty="0" smtClean="0">
+              <a:rPr lang="zh-TW" altLang="en-US" sz="5400" b="1" dirty="0">
                 <a:solidFill>
                   <a:srgbClr val="000066"/>
                 </a:solidFill>
@@ -3870,7 +3435,7 @@
               </a:rPr>
               <a:t>名</a:t>
             </a:r>
-            <a:endParaRPr lang="en-US" altLang="zh-TW" sz="5400" b="1" dirty="0" smtClean="0">
+            <a:endParaRPr lang="en-US" altLang="zh-TW" sz="5400" b="1" dirty="0">
               <a:solidFill>
                 <a:srgbClr val="000066"/>
               </a:solidFill>
@@ -3883,7 +3448,7 @@
               <a:buNone/>
             </a:pPr>
             <a:r>
-              <a:rPr lang="zh-TW" altLang="en-US" sz="5400" b="1" dirty="0" smtClean="0">
+              <a:rPr lang="zh-TW" altLang="en-US" sz="5400" b="1" dirty="0">
                 <a:solidFill>
                   <a:srgbClr val="000066"/>
                 </a:solidFill>
@@ -3903,7 +3468,7 @@
               <a:t>主聖</a:t>
             </a:r>
             <a:r>
-              <a:rPr lang="zh-TW" altLang="en-US" sz="5400" b="1" dirty="0" smtClean="0">
+              <a:rPr lang="zh-TW" altLang="en-US" sz="5400" b="1" dirty="0">
                 <a:solidFill>
                   <a:srgbClr val="000066"/>
                 </a:solidFill>
@@ -3923,7 +3488,7 @@
               <a:t>主聖</a:t>
             </a:r>
             <a:r>
-              <a:rPr lang="zh-TW" altLang="en-US" sz="5400" b="1" dirty="0" smtClean="0">
+              <a:rPr lang="zh-TW" altLang="en-US" sz="5400" b="1" dirty="0">
                 <a:solidFill>
                   <a:srgbClr val="000066"/>
                 </a:solidFill>
@@ -3932,7 +3497,7 @@
               </a:rPr>
               <a:t>名</a:t>
             </a:r>
-            <a:endParaRPr lang="en-US" altLang="zh-TW" sz="5400" b="1" dirty="0" smtClean="0">
+            <a:endParaRPr lang="en-US" altLang="zh-TW" sz="5400" b="1" dirty="0">
               <a:solidFill>
                 <a:srgbClr val="000066"/>
               </a:solidFill>
@@ -3945,7 +3510,7 @@
               <a:buNone/>
             </a:pPr>
             <a:r>
-              <a:rPr lang="zh-TW" altLang="en-US" sz="5400" b="1" dirty="0" smtClean="0">
+              <a:rPr lang="zh-TW" altLang="en-US" sz="5400" b="1" dirty="0">
                 <a:solidFill>
                   <a:srgbClr val="000066"/>
                 </a:solidFill>
@@ -4051,7 +3616,7 @@
               <a:t>主名超乎萬名之</a:t>
             </a:r>
             <a:r>
-              <a:rPr lang="zh-TW" altLang="en-US" sz="5400" b="1" dirty="0" smtClean="0">
+              <a:rPr lang="zh-TW" altLang="en-US" sz="5400" b="1" dirty="0">
                 <a:solidFill>
                   <a:srgbClr val="000066"/>
                 </a:solidFill>
@@ -4060,7 +3625,7 @@
               </a:rPr>
               <a:t>名</a:t>
             </a:r>
-            <a:endParaRPr lang="en-US" altLang="zh-TW" sz="5400" b="1" dirty="0" smtClean="0">
+            <a:endParaRPr lang="en-US" altLang="zh-TW" sz="5400" b="1" dirty="0">
               <a:solidFill>
                 <a:srgbClr val="000066"/>
               </a:solidFill>
@@ -4073,7 +3638,7 @@
               <a:buNone/>
             </a:pPr>
             <a:r>
-              <a:rPr lang="zh-TW" altLang="en-US" sz="5400" b="1" dirty="0" smtClean="0">
+              <a:rPr lang="zh-TW" altLang="en-US" sz="5400" b="1" dirty="0">
                 <a:solidFill>
                   <a:srgbClr val="000066"/>
                 </a:solidFill>
@@ -4093,7 +3658,7 @@
               <a:t>至尊</a:t>
             </a:r>
             <a:r>
-              <a:rPr lang="zh-TW" altLang="en-US" sz="5400" b="1" dirty="0" smtClean="0">
+              <a:rPr lang="zh-TW" altLang="en-US" sz="5400" b="1" dirty="0">
                 <a:solidFill>
                   <a:srgbClr val="000066"/>
                 </a:solidFill>
@@ -4102,7 +3667,7 @@
               </a:rPr>
               <a:t>至聖</a:t>
             </a:r>
-            <a:endParaRPr lang="en-US" altLang="zh-TW" sz="5400" b="1" dirty="0" smtClean="0">
+            <a:endParaRPr lang="en-US" altLang="zh-TW" sz="5400" b="1" dirty="0">
               <a:solidFill>
                 <a:srgbClr val="000066"/>
               </a:solidFill>
@@ -4115,7 +3680,7 @@
               <a:buNone/>
             </a:pPr>
             <a:r>
-              <a:rPr lang="zh-TW" altLang="en-US" sz="5400" b="1" dirty="0" smtClean="0">
+              <a:rPr lang="zh-TW" altLang="en-US" sz="5400" b="1" dirty="0">
                 <a:solidFill>
                   <a:srgbClr val="000066"/>
                 </a:solidFill>
@@ -4135,7 +3700,7 @@
               <a:t>今坐上帝寶座</a:t>
             </a:r>
             <a:r>
-              <a:rPr lang="zh-TW" altLang="en-US" sz="5400" b="1" dirty="0" smtClean="0">
+              <a:rPr lang="zh-TW" altLang="en-US" sz="5400" b="1" dirty="0">
                 <a:solidFill>
                   <a:srgbClr val="000066"/>
                 </a:solidFill>
@@ -4144,7 +3709,7 @@
               </a:rPr>
               <a:t>右邊</a:t>
             </a:r>
-            <a:endParaRPr lang="en-US" altLang="zh-TW" sz="5400" b="1" dirty="0" smtClean="0">
+            <a:endParaRPr lang="en-US" altLang="zh-TW" sz="5400" b="1" dirty="0">
               <a:solidFill>
                 <a:srgbClr val="000066"/>
               </a:solidFill>
@@ -4157,7 +3722,7 @@
               <a:buNone/>
             </a:pPr>
             <a:r>
-              <a:rPr lang="zh-TW" altLang="en-US" sz="5400" b="1" dirty="0" smtClean="0">
+              <a:rPr lang="zh-TW" altLang="en-US" sz="5400" b="1" dirty="0">
                 <a:solidFill>
                   <a:srgbClr val="000066"/>
                 </a:solidFill>
@@ -4263,7 +3828,7 @@
               <a:t>頌讚主聖</a:t>
             </a:r>
             <a:r>
-              <a:rPr lang="zh-TW" altLang="en-US" sz="5400" b="1" dirty="0" smtClean="0">
+              <a:rPr lang="zh-TW" altLang="en-US" sz="5400" b="1" dirty="0">
                 <a:solidFill>
                   <a:srgbClr val="000066"/>
                 </a:solidFill>
@@ -4283,7 +3848,7 @@
               <a:t>主聖</a:t>
             </a:r>
             <a:r>
-              <a:rPr lang="zh-TW" altLang="en-US" sz="5400" b="1" dirty="0" smtClean="0">
+              <a:rPr lang="zh-TW" altLang="en-US" sz="5400" b="1" dirty="0">
                 <a:solidFill>
                   <a:srgbClr val="000066"/>
                 </a:solidFill>
@@ -4292,7 +3857,7 @@
               </a:rPr>
               <a:t>名</a:t>
             </a:r>
-            <a:endParaRPr lang="en-US" altLang="zh-TW" sz="5400" b="1" dirty="0" smtClean="0">
+            <a:endParaRPr lang="en-US" altLang="zh-TW" sz="5400" b="1" dirty="0">
               <a:solidFill>
                 <a:srgbClr val="000066"/>
               </a:solidFill>
@@ -4305,7 +3870,7 @@
               <a:buNone/>
             </a:pPr>
             <a:r>
-              <a:rPr lang="zh-TW" altLang="en-US" sz="5400" b="1" dirty="0" smtClean="0">
+              <a:rPr lang="zh-TW" altLang="en-US" sz="5400" b="1" dirty="0">
                 <a:solidFill>
                   <a:srgbClr val="000066"/>
                 </a:solidFill>
@@ -4325,7 +3890,7 @@
               <a:t>榮耀歸主聖</a:t>
             </a:r>
             <a:r>
-              <a:rPr lang="zh-TW" altLang="en-US" sz="5400" b="1" dirty="0" smtClean="0">
+              <a:rPr lang="zh-TW" altLang="en-US" sz="5400" b="1" dirty="0">
                 <a:solidFill>
                   <a:srgbClr val="000066"/>
                 </a:solidFill>
@@ -4334,7 +3899,7 @@
               </a:rPr>
               <a:t>名</a:t>
             </a:r>
-            <a:endParaRPr lang="en-US" altLang="zh-TW" sz="5400" b="1" dirty="0" smtClean="0">
+            <a:endParaRPr lang="en-US" altLang="zh-TW" sz="5400" b="1" dirty="0">
               <a:solidFill>
                 <a:srgbClr val="000066"/>
               </a:solidFill>
@@ -4347,7 +3912,7 @@
               <a:buNone/>
             </a:pPr>
             <a:r>
-              <a:rPr lang="zh-TW" altLang="en-US" sz="5400" b="1" dirty="0" smtClean="0">
+              <a:rPr lang="zh-TW" altLang="en-US" sz="5400" b="1" dirty="0">
                 <a:solidFill>
                   <a:srgbClr val="000066"/>
                 </a:solidFill>
@@ -4367,7 +3932,7 @@
               <a:t>主聖</a:t>
             </a:r>
             <a:r>
-              <a:rPr lang="zh-TW" altLang="en-US" sz="5400" b="1" dirty="0" smtClean="0">
+              <a:rPr lang="zh-TW" altLang="en-US" sz="5400" b="1" dirty="0">
                 <a:solidFill>
                   <a:srgbClr val="000066"/>
                 </a:solidFill>
@@ -4387,7 +3952,7 @@
               <a:t>主聖</a:t>
             </a:r>
             <a:r>
-              <a:rPr lang="zh-TW" altLang="en-US" sz="5400" b="1" dirty="0" smtClean="0">
+              <a:rPr lang="zh-TW" altLang="en-US" sz="5400" b="1" dirty="0">
                 <a:solidFill>
                   <a:srgbClr val="000066"/>
                 </a:solidFill>
@@ -4396,7 +3961,7 @@
               </a:rPr>
               <a:t>名</a:t>
             </a:r>
-            <a:endParaRPr lang="en-US" altLang="zh-TW" sz="5400" b="1" dirty="0" smtClean="0">
+            <a:endParaRPr lang="en-US" altLang="zh-TW" sz="5400" b="1" dirty="0">
               <a:solidFill>
                 <a:srgbClr val="000066"/>
               </a:solidFill>
@@ -4409,7 +3974,7 @@
               <a:buNone/>
             </a:pPr>
             <a:r>
-              <a:rPr lang="zh-TW" altLang="en-US" sz="5400" b="1" dirty="0" smtClean="0">
+              <a:rPr lang="zh-TW" altLang="en-US" sz="5400" b="1" dirty="0">
                 <a:solidFill>
                   <a:srgbClr val="000066"/>
                 </a:solidFill>
@@ -4515,7 +4080,7 @@
               <a:t>罪人良友乃救贖</a:t>
             </a:r>
             <a:r>
-              <a:rPr lang="zh-TW" altLang="en-US" sz="5400" b="1" dirty="0" smtClean="0">
+              <a:rPr lang="zh-TW" altLang="en-US" sz="5400" b="1" dirty="0">
                 <a:solidFill>
                   <a:srgbClr val="000066"/>
                 </a:solidFill>
@@ -4523,48 +4088,6 @@
                 <a:ea typeface="微軟正黑體" pitchFamily="34" charset="-120"/>
               </a:rPr>
               <a:t>主</a:t>
-            </a:r>
-            <a:endParaRPr lang="en-US" altLang="zh-TW" sz="5400" b="1" dirty="0" smtClean="0">
-              <a:solidFill>
-                <a:srgbClr val="000066"/>
-              </a:solidFill>
-              <a:latin typeface="微軟正黑體" pitchFamily="34" charset="-120"/>
-              <a:ea typeface="微軟正黑體" pitchFamily="34" charset="-120"/>
-            </a:endParaRPr>
-          </a:p>
-          <a:p>
-            <a:pPr algn="ctr">
-              <a:buNone/>
-            </a:pPr>
-            <a:r>
-              <a:rPr lang="zh-TW" altLang="en-US" sz="5400" b="1" dirty="0" smtClean="0">
-                <a:solidFill>
-                  <a:srgbClr val="000066"/>
-                </a:solidFill>
-                <a:latin typeface="微軟正黑體" pitchFamily="34" charset="-120"/>
-                <a:ea typeface="微軟正黑體" pitchFamily="34" charset="-120"/>
-              </a:rPr>
-              <a:t>因</a:t>
-            </a:r>
-            <a:r>
-              <a:rPr lang="zh-TW" altLang="en-US" sz="5400" b="1" dirty="0">
-                <a:solidFill>
-                  <a:srgbClr val="000066"/>
-                </a:solidFill>
-                <a:latin typeface="微軟正黑體" pitchFamily="34" charset="-120"/>
-                <a:ea typeface="微軟正黑體" pitchFamily="34" charset="-120"/>
-              </a:rPr>
-              <a:t>憐罪人</a:t>
-            </a:r>
-            <a:r>
-              <a:rPr lang="zh-TW" altLang="en-US" sz="5400" b="1" dirty="0" smtClean="0">
-                <a:solidFill>
-                  <a:srgbClr val="000066"/>
-                </a:solidFill>
-                <a:latin typeface="微軟正黑體" pitchFamily="34" charset="-120"/>
-                <a:ea typeface="微軟正黑體" pitchFamily="34" charset="-120"/>
-              </a:rPr>
-              <a:t>來世</a:t>
             </a:r>
             <a:endParaRPr lang="en-US" altLang="zh-TW" sz="5400" b="1" dirty="0">
               <a:solidFill>
@@ -4579,36 +4102,36 @@
               <a:buNone/>
             </a:pPr>
             <a:r>
-              <a:rPr lang="zh-TW" altLang="en-US" sz="5400" b="1" dirty="0" smtClean="0">
-                <a:solidFill>
-                  <a:srgbClr val="000066"/>
-                </a:solidFill>
-                <a:latin typeface="微軟正黑體" pitchFamily="34" charset="-120"/>
-                <a:ea typeface="微軟正黑體" pitchFamily="34" charset="-120"/>
-              </a:rPr>
-              <a:t>神</a:t>
-            </a:r>
-            <a:r>
-              <a:rPr lang="zh-TW" altLang="en-US" sz="5400" b="1" dirty="0">
-                <a:solidFill>
-                  <a:srgbClr val="000066"/>
-                </a:solidFill>
-                <a:latin typeface="微軟正黑體" pitchFamily="34" charset="-120"/>
-                <a:ea typeface="微軟正黑體" pitchFamily="34" charset="-120"/>
-              </a:rPr>
-              <a:t>奇妙愛預備救</a:t>
-            </a:r>
-            <a:r>
-              <a:rPr lang="zh-TW" altLang="en-US" sz="5400" b="1" dirty="0" smtClean="0">
-                <a:solidFill>
-                  <a:srgbClr val="000066"/>
-                </a:solidFill>
-                <a:latin typeface="微軟正黑體" pitchFamily="34" charset="-120"/>
-                <a:ea typeface="微軟正黑體" pitchFamily="34" charset="-120"/>
-              </a:rPr>
-              <a:t>恩</a:t>
-            </a:r>
-            <a:endParaRPr lang="en-US" altLang="zh-TW" sz="5400" b="1" dirty="0" smtClean="0">
+              <a:rPr lang="zh-TW" altLang="en-US" sz="5400" b="1" dirty="0">
+                <a:solidFill>
+                  <a:srgbClr val="000066"/>
+                </a:solidFill>
+                <a:latin typeface="微軟正黑體" pitchFamily="34" charset="-120"/>
+                <a:ea typeface="微軟正黑體" pitchFamily="34" charset="-120"/>
+              </a:rPr>
+              <a:t>因</a:t>
+            </a:r>
+            <a:r>
+              <a:rPr lang="zh-TW" altLang="en-US" sz="5400" b="1" dirty="0">
+                <a:solidFill>
+                  <a:srgbClr val="000066"/>
+                </a:solidFill>
+                <a:latin typeface="微軟正黑體" pitchFamily="34" charset="-120"/>
+                <a:ea typeface="微軟正黑體" pitchFamily="34" charset="-120"/>
+              </a:rPr>
+              <a:t>憐罪人</a:t>
+            </a:r>
+            <a:r>
+              <a:rPr lang="zh-TW" altLang="en-US" sz="5400" b="1" dirty="0">
+                <a:solidFill>
+                  <a:srgbClr val="000066"/>
+                </a:solidFill>
+                <a:latin typeface="微軟正黑體" pitchFamily="34" charset="-120"/>
+                <a:ea typeface="微軟正黑體" pitchFamily="34" charset="-120"/>
+              </a:rPr>
+              <a:t>來世</a:t>
+            </a:r>
+            <a:endParaRPr lang="en-US" altLang="zh-TW" sz="5400" b="1" dirty="0">
               <a:solidFill>
                 <a:srgbClr val="000066"/>
               </a:solidFill>
@@ -4621,7 +4144,49 @@
               <a:buNone/>
             </a:pPr>
             <a:r>
-              <a:rPr lang="zh-TW" altLang="en-US" sz="5400" b="1" dirty="0" smtClean="0">
+              <a:rPr lang="zh-TW" altLang="en-US" sz="5400" b="1" dirty="0">
+                <a:solidFill>
+                  <a:srgbClr val="000066"/>
+                </a:solidFill>
+                <a:latin typeface="微軟正黑體" pitchFamily="34" charset="-120"/>
+                <a:ea typeface="微軟正黑體" pitchFamily="34" charset="-120"/>
+              </a:rPr>
+              <a:t>神</a:t>
+            </a:r>
+            <a:r>
+              <a:rPr lang="zh-TW" altLang="en-US" sz="5400" b="1" dirty="0">
+                <a:solidFill>
+                  <a:srgbClr val="000066"/>
+                </a:solidFill>
+                <a:latin typeface="微軟正黑體" pitchFamily="34" charset="-120"/>
+                <a:ea typeface="微軟正黑體" pitchFamily="34" charset="-120"/>
+              </a:rPr>
+              <a:t>奇妙愛預備救</a:t>
+            </a:r>
+            <a:r>
+              <a:rPr lang="zh-TW" altLang="en-US" sz="5400" b="1" dirty="0">
+                <a:solidFill>
+                  <a:srgbClr val="000066"/>
+                </a:solidFill>
+                <a:latin typeface="微軟正黑體" pitchFamily="34" charset="-120"/>
+                <a:ea typeface="微軟正黑體" pitchFamily="34" charset="-120"/>
+              </a:rPr>
+              <a:t>恩</a:t>
+            </a:r>
+            <a:endParaRPr lang="en-US" altLang="zh-TW" sz="5400" b="1" dirty="0">
+              <a:solidFill>
+                <a:srgbClr val="000066"/>
+              </a:solidFill>
+              <a:latin typeface="微軟正黑體" pitchFamily="34" charset="-120"/>
+              <a:ea typeface="微軟正黑體" pitchFamily="34" charset="-120"/>
+            </a:endParaRPr>
+          </a:p>
+          <a:p>
+            <a:pPr algn="ctr">
+              <a:buNone/>
+            </a:pPr>
+            <a:r>
+              <a:rPr lang="zh-TW" altLang="en-US" sz="5400" b="1" dirty="0">
                 <a:solidFill>
                   <a:srgbClr val="000066"/>
                 </a:solidFill>
@@ -4727,7 +4292,7 @@
               <a:t>頌讚主聖</a:t>
             </a:r>
             <a:r>
-              <a:rPr lang="zh-TW" altLang="en-US" sz="5400" b="1" dirty="0" smtClean="0">
+              <a:rPr lang="zh-TW" altLang="en-US" sz="5400" b="1" dirty="0">
                 <a:solidFill>
                   <a:srgbClr val="000066"/>
                 </a:solidFill>
@@ -4747,7 +4312,7 @@
               <a:t>主聖</a:t>
             </a:r>
             <a:r>
-              <a:rPr lang="zh-TW" altLang="en-US" sz="5400" b="1" dirty="0" smtClean="0">
+              <a:rPr lang="zh-TW" altLang="en-US" sz="5400" b="1" dirty="0">
                 <a:solidFill>
                   <a:srgbClr val="000066"/>
                 </a:solidFill>
@@ -4756,7 +4321,7 @@
               </a:rPr>
               <a:t>名</a:t>
             </a:r>
-            <a:endParaRPr lang="en-US" altLang="zh-TW" sz="5400" b="1" dirty="0" smtClean="0">
+            <a:endParaRPr lang="en-US" altLang="zh-TW" sz="5400" b="1" dirty="0">
               <a:solidFill>
                 <a:srgbClr val="000066"/>
               </a:solidFill>
@@ -4769,7 +4334,7 @@
               <a:buNone/>
             </a:pPr>
             <a:r>
-              <a:rPr lang="zh-TW" altLang="en-US" sz="5400" b="1" dirty="0" smtClean="0">
+              <a:rPr lang="zh-TW" altLang="en-US" sz="5400" b="1" dirty="0">
                 <a:solidFill>
                   <a:srgbClr val="000066"/>
                 </a:solidFill>
@@ -4789,7 +4354,7 @@
               <a:t>榮耀歸主聖</a:t>
             </a:r>
             <a:r>
-              <a:rPr lang="zh-TW" altLang="en-US" sz="5400" b="1" dirty="0" smtClean="0">
+              <a:rPr lang="zh-TW" altLang="en-US" sz="5400" b="1" dirty="0">
                 <a:solidFill>
                   <a:srgbClr val="000066"/>
                 </a:solidFill>
@@ -4798,7 +4363,7 @@
               </a:rPr>
               <a:t>名</a:t>
             </a:r>
-            <a:endParaRPr lang="en-US" altLang="zh-TW" sz="5400" b="1" dirty="0" smtClean="0">
+            <a:endParaRPr lang="en-US" altLang="zh-TW" sz="5400" b="1" dirty="0">
               <a:solidFill>
                 <a:srgbClr val="000066"/>
               </a:solidFill>
@@ -4811,7 +4376,7 @@
               <a:buNone/>
             </a:pPr>
             <a:r>
-              <a:rPr lang="zh-TW" altLang="en-US" sz="5400" b="1" dirty="0" smtClean="0">
+              <a:rPr lang="zh-TW" altLang="en-US" sz="5400" b="1" dirty="0">
                 <a:solidFill>
                   <a:srgbClr val="000066"/>
                 </a:solidFill>
@@ -4831,7 +4396,7 @@
               <a:t>主聖</a:t>
             </a:r>
             <a:r>
-              <a:rPr lang="zh-TW" altLang="en-US" sz="5400" b="1" dirty="0" smtClean="0">
+              <a:rPr lang="zh-TW" altLang="en-US" sz="5400" b="1" dirty="0">
                 <a:solidFill>
                   <a:srgbClr val="000066"/>
                 </a:solidFill>
@@ -4851,7 +4416,7 @@
               <a:t>主聖</a:t>
             </a:r>
             <a:r>
-              <a:rPr lang="zh-TW" altLang="en-US" sz="5400" b="1" dirty="0" smtClean="0">
+              <a:rPr lang="zh-TW" altLang="en-US" sz="5400" b="1" dirty="0">
                 <a:solidFill>
                   <a:srgbClr val="000066"/>
                 </a:solidFill>
@@ -4860,7 +4425,7 @@
               </a:rPr>
               <a:t>名</a:t>
             </a:r>
-            <a:endParaRPr lang="en-US" altLang="zh-TW" sz="5400" b="1" dirty="0" smtClean="0">
+            <a:endParaRPr lang="en-US" altLang="zh-TW" sz="5400" b="1" dirty="0">
               <a:solidFill>
                 <a:srgbClr val="000066"/>
               </a:solidFill>
@@ -4873,7 +4438,7 @@
               <a:buNone/>
             </a:pPr>
             <a:r>
-              <a:rPr lang="zh-TW" altLang="en-US" sz="5400" b="1" dirty="0" smtClean="0">
+              <a:rPr lang="zh-TW" altLang="en-US" sz="5400" b="1" dirty="0">
                 <a:solidFill>
                   <a:srgbClr val="000066"/>
                 </a:solidFill>
@@ -4979,7 +4544,7 @@
               <a:t>祂名稱為奇妙</a:t>
             </a:r>
             <a:r>
-              <a:rPr lang="zh-TW" altLang="en-US" sz="5400" b="1" dirty="0" smtClean="0">
+              <a:rPr lang="zh-TW" altLang="en-US" sz="5400" b="1" dirty="0">
                 <a:solidFill>
                   <a:srgbClr val="000066"/>
                 </a:solidFill>
@@ -4987,48 +4552,6 @@
                 <a:ea typeface="微軟正黑體" pitchFamily="34" charset="-120"/>
               </a:rPr>
               <a:t>策士</a:t>
-            </a:r>
-            <a:endParaRPr lang="en-US" altLang="zh-TW" sz="5400" b="1" dirty="0" smtClean="0">
-              <a:solidFill>
-                <a:srgbClr val="000066"/>
-              </a:solidFill>
-              <a:latin typeface="微軟正黑體" pitchFamily="34" charset="-120"/>
-              <a:ea typeface="微軟正黑體" pitchFamily="34" charset="-120"/>
-            </a:endParaRPr>
-          </a:p>
-          <a:p>
-            <a:pPr algn="ctr">
-              <a:buNone/>
-            </a:pPr>
-            <a:r>
-              <a:rPr lang="zh-TW" altLang="en-US" sz="5400" b="1" dirty="0" smtClean="0">
-                <a:solidFill>
-                  <a:srgbClr val="000066"/>
-                </a:solidFill>
-                <a:latin typeface="微軟正黑體" pitchFamily="34" charset="-120"/>
-                <a:ea typeface="微軟正黑體" pitchFamily="34" charset="-120"/>
-              </a:rPr>
-              <a:t>和平</a:t>
-            </a:r>
-            <a:r>
-              <a:rPr lang="zh-TW" altLang="en-US" sz="5400" b="1" dirty="0">
-                <a:solidFill>
-                  <a:srgbClr val="000066"/>
-                </a:solidFill>
-                <a:latin typeface="微軟正黑體" pitchFamily="34" charset="-120"/>
-                <a:ea typeface="微軟正黑體" pitchFamily="34" charset="-120"/>
-              </a:rPr>
-              <a:t>全能之</a:t>
-            </a:r>
-            <a:r>
-              <a:rPr lang="zh-TW" altLang="en-US" sz="5400" b="1" dirty="0" smtClean="0">
-                <a:solidFill>
-                  <a:srgbClr val="000066"/>
-                </a:solidFill>
-                <a:latin typeface="微軟正黑體" pitchFamily="34" charset="-120"/>
-                <a:ea typeface="微軟正黑體" pitchFamily="34" charset="-120"/>
-              </a:rPr>
-              <a:t>君</a:t>
             </a:r>
             <a:endParaRPr lang="en-US" altLang="zh-TW" sz="5400" b="1" dirty="0">
               <a:solidFill>
@@ -5043,34 +4566,34 @@
               <a:buNone/>
             </a:pPr>
             <a:r>
-              <a:rPr lang="zh-TW" altLang="en-US" sz="5400" b="1" dirty="0" smtClean="0">
-                <a:solidFill>
-                  <a:srgbClr val="000066"/>
-                </a:solidFill>
-                <a:latin typeface="微軟正黑體" pitchFamily="34" charset="-120"/>
-                <a:ea typeface="微軟正黑體" pitchFamily="34" charset="-120"/>
-              </a:rPr>
-              <a:t>萬</a:t>
-            </a:r>
-            <a:r>
-              <a:rPr lang="zh-TW" altLang="en-US" sz="5400" b="1" dirty="0">
-                <a:solidFill>
-                  <a:srgbClr val="000066"/>
-                </a:solidFill>
-                <a:latin typeface="微軟正黑體" pitchFamily="34" charset="-120"/>
-                <a:ea typeface="微軟正黑體" pitchFamily="34" charset="-120"/>
-              </a:rPr>
-              <a:t>王還須俯伏</a:t>
-            </a:r>
-            <a:r>
-              <a:rPr lang="zh-TW" altLang="en-US" sz="5400" b="1" dirty="0" smtClean="0">
-                <a:solidFill>
-                  <a:srgbClr val="000066"/>
-                </a:solidFill>
-                <a:latin typeface="微軟正黑體" pitchFamily="34" charset="-120"/>
-                <a:ea typeface="微軟正黑體" pitchFamily="34" charset="-120"/>
-              </a:rPr>
-              <a:t>崇拜</a:t>
+              <a:rPr lang="zh-TW" altLang="en-US" sz="5400" b="1" dirty="0">
+                <a:solidFill>
+                  <a:srgbClr val="000066"/>
+                </a:solidFill>
+                <a:latin typeface="微軟正黑體" pitchFamily="34" charset="-120"/>
+                <a:ea typeface="微軟正黑體" pitchFamily="34" charset="-120"/>
+              </a:rPr>
+              <a:t>和平</a:t>
+            </a:r>
+            <a:r>
+              <a:rPr lang="zh-TW" altLang="en-US" sz="5400" b="1" dirty="0">
+                <a:solidFill>
+                  <a:srgbClr val="000066"/>
+                </a:solidFill>
+                <a:latin typeface="微軟正黑體" pitchFamily="34" charset="-120"/>
+                <a:ea typeface="微軟正黑體" pitchFamily="34" charset="-120"/>
+              </a:rPr>
+              <a:t>全能之</a:t>
+            </a:r>
+            <a:r>
+              <a:rPr lang="zh-TW" altLang="en-US" sz="5400" b="1" dirty="0">
+                <a:solidFill>
+                  <a:srgbClr val="000066"/>
+                </a:solidFill>
+                <a:latin typeface="微軟正黑體" pitchFamily="34" charset="-120"/>
+                <a:ea typeface="微軟正黑體" pitchFamily="34" charset="-120"/>
+              </a:rPr>
+              <a:t>君</a:t>
             </a:r>
             <a:endParaRPr lang="en-US" altLang="zh-TW" sz="5400" b="1" dirty="0">
               <a:solidFill>
@@ -5085,7 +4608,49 @@
               <a:buNone/>
             </a:pPr>
             <a:r>
-              <a:rPr lang="zh-TW" altLang="en-US" sz="5400" b="1" dirty="0" smtClean="0">
+              <a:rPr lang="zh-TW" altLang="en-US" sz="5400" b="1" dirty="0">
+                <a:solidFill>
+                  <a:srgbClr val="000066"/>
+                </a:solidFill>
+                <a:latin typeface="微軟正黑體" pitchFamily="34" charset="-120"/>
+                <a:ea typeface="微軟正黑體" pitchFamily="34" charset="-120"/>
+              </a:rPr>
+              <a:t>萬</a:t>
+            </a:r>
+            <a:r>
+              <a:rPr lang="zh-TW" altLang="en-US" sz="5400" b="1" dirty="0">
+                <a:solidFill>
+                  <a:srgbClr val="000066"/>
+                </a:solidFill>
+                <a:latin typeface="微軟正黑體" pitchFamily="34" charset="-120"/>
+                <a:ea typeface="微軟正黑體" pitchFamily="34" charset="-120"/>
+              </a:rPr>
+              <a:t>王還須俯伏</a:t>
+            </a:r>
+            <a:r>
+              <a:rPr lang="zh-TW" altLang="en-US" sz="5400" b="1" dirty="0">
+                <a:solidFill>
+                  <a:srgbClr val="000066"/>
+                </a:solidFill>
+                <a:latin typeface="微軟正黑體" pitchFamily="34" charset="-120"/>
+                <a:ea typeface="微軟正黑體" pitchFamily="34" charset="-120"/>
+              </a:rPr>
+              <a:t>崇拜</a:t>
+            </a:r>
+            <a:endParaRPr lang="en-US" altLang="zh-TW" sz="5400" b="1" dirty="0">
+              <a:solidFill>
+                <a:srgbClr val="000066"/>
+              </a:solidFill>
+              <a:latin typeface="微軟正黑體" pitchFamily="34" charset="-120"/>
+              <a:ea typeface="微軟正黑體" pitchFamily="34" charset="-120"/>
+            </a:endParaRPr>
+          </a:p>
+          <a:p>
+            <a:pPr algn="ctr">
+              <a:buNone/>
+            </a:pPr>
+            <a:r>
+              <a:rPr lang="zh-TW" altLang="en-US" sz="5400" b="1" dirty="0">
                 <a:solidFill>
                   <a:srgbClr val="000066"/>
                 </a:solidFill>
@@ -5191,7 +4756,7 @@
               <a:t>頌讚主聖</a:t>
             </a:r>
             <a:r>
-              <a:rPr lang="zh-TW" altLang="en-US" sz="5400" b="1" dirty="0" smtClean="0">
+              <a:rPr lang="zh-TW" altLang="en-US" sz="5400" b="1" dirty="0">
                 <a:solidFill>
                   <a:srgbClr val="000066"/>
                 </a:solidFill>
@@ -5211,7 +4776,7 @@
               <a:t>主聖</a:t>
             </a:r>
             <a:r>
-              <a:rPr lang="zh-TW" altLang="en-US" sz="5400" b="1" dirty="0" smtClean="0">
+              <a:rPr lang="zh-TW" altLang="en-US" sz="5400" b="1" dirty="0">
                 <a:solidFill>
                   <a:srgbClr val="000066"/>
                 </a:solidFill>
@@ -5220,7 +4785,7 @@
               </a:rPr>
               <a:t>名</a:t>
             </a:r>
-            <a:endParaRPr lang="en-US" altLang="zh-TW" sz="5400" b="1" dirty="0" smtClean="0">
+            <a:endParaRPr lang="en-US" altLang="zh-TW" sz="5400" b="1" dirty="0">
               <a:solidFill>
                 <a:srgbClr val="000066"/>
               </a:solidFill>
@@ -5233,7 +4798,7 @@
               <a:buNone/>
             </a:pPr>
             <a:r>
-              <a:rPr lang="zh-TW" altLang="en-US" sz="5400" b="1" dirty="0" smtClean="0">
+              <a:rPr lang="zh-TW" altLang="en-US" sz="5400" b="1" dirty="0">
                 <a:solidFill>
                   <a:srgbClr val="000066"/>
                 </a:solidFill>
@@ -5253,7 +4818,7 @@
               <a:t>榮耀歸主聖</a:t>
             </a:r>
             <a:r>
-              <a:rPr lang="zh-TW" altLang="en-US" sz="5400" b="1" dirty="0" smtClean="0">
+              <a:rPr lang="zh-TW" altLang="en-US" sz="5400" b="1" dirty="0">
                 <a:solidFill>
                   <a:srgbClr val="000066"/>
                 </a:solidFill>
@@ -5262,7 +4827,7 @@
               </a:rPr>
               <a:t>名</a:t>
             </a:r>
-            <a:endParaRPr lang="en-US" altLang="zh-TW" sz="5400" b="1" dirty="0" smtClean="0">
+            <a:endParaRPr lang="en-US" altLang="zh-TW" sz="5400" b="1" dirty="0">
               <a:solidFill>
                 <a:srgbClr val="000066"/>
               </a:solidFill>
@@ -5275,7 +4840,7 @@
               <a:buNone/>
             </a:pPr>
             <a:r>
-              <a:rPr lang="zh-TW" altLang="en-US" sz="5400" b="1" dirty="0" smtClean="0">
+              <a:rPr lang="zh-TW" altLang="en-US" sz="5400" b="1" dirty="0">
                 <a:solidFill>
                   <a:srgbClr val="000066"/>
                 </a:solidFill>
@@ -5295,7 +4860,7 @@
               <a:t>主聖</a:t>
             </a:r>
             <a:r>
-              <a:rPr lang="zh-TW" altLang="en-US" sz="5400" b="1" dirty="0" smtClean="0">
+              <a:rPr lang="zh-TW" altLang="en-US" sz="5400" b="1" dirty="0">
                 <a:solidFill>
                   <a:srgbClr val="000066"/>
                 </a:solidFill>
@@ -5315,7 +4880,7 @@
               <a:t>主聖</a:t>
             </a:r>
             <a:r>
-              <a:rPr lang="zh-TW" altLang="en-US" sz="5400" b="1" dirty="0" smtClean="0">
+              <a:rPr lang="zh-TW" altLang="en-US" sz="5400" b="1" dirty="0">
                 <a:solidFill>
                   <a:srgbClr val="000066"/>
                 </a:solidFill>
@@ -5324,7 +4889,7 @@
               </a:rPr>
               <a:t>名</a:t>
             </a:r>
-            <a:endParaRPr lang="en-US" altLang="zh-TW" sz="5400" b="1" dirty="0" smtClean="0">
+            <a:endParaRPr lang="en-US" altLang="zh-TW" sz="5400" b="1" dirty="0">
               <a:solidFill>
                 <a:srgbClr val="000066"/>
               </a:solidFill>
@@ -5337,7 +4902,7 @@
               <a:buNone/>
             </a:pPr>
             <a:r>
-              <a:rPr lang="zh-TW" altLang="en-US" sz="5400" b="1" dirty="0" smtClean="0">
+              <a:rPr lang="zh-TW" altLang="en-US" sz="5400" b="1" dirty="0">
                 <a:solidFill>
                   <a:srgbClr val="000066"/>
                 </a:solidFill>
@@ -5355,176 +4920,6 @@
                 <a:ea typeface="微軟正黑體" pitchFamily="34" charset="-120"/>
               </a:rPr>
               <a:t>榮耀歸主聖名</a:t>
-            </a:r>
-          </a:p>
-        </p:txBody>
-      </p:sp>
-    </p:spTree>
-  </p:cSld>
-  <p:clrMapOvr>
-    <a:masterClrMapping/>
-  </p:clrMapOvr>
-</p:sld>
-</file>
-
-<file path=ppt/slides/slide9.xml><?xml version="1.0" encoding="utf-8"?>
-<p:sld xmlns:a="http://schemas.openxmlformats.org/drawingml/2006/main" xmlns:r="http://schemas.openxmlformats.org/officeDocument/2006/relationships" xmlns:p="http://schemas.openxmlformats.org/presentationml/2006/main">
-  <p:cSld>
-    <p:spTree>
-      <p:nvGrpSpPr>
-        <p:cNvPr id="1" name=""/>
-        <p:cNvGrpSpPr/>
-        <p:nvPr/>
-      </p:nvGrpSpPr>
-      <p:grpSpPr>
-        <a:xfrm>
-          <a:off x="0" y="0"/>
-          <a:ext cx="0" cy="0"/>
-          <a:chOff x="0" y="0"/>
-          <a:chExt cx="0" cy="0"/>
-        </a:xfrm>
-      </p:grpSpPr>
-      <p:sp>
-        <p:nvSpPr>
-          <p:cNvPr id="4" name="標題 3"/>
-          <p:cNvSpPr>
-            <a:spLocks noGrp="1"/>
-          </p:cNvSpPr>
-          <p:nvPr>
-            <p:ph type="title"/>
-          </p:nvPr>
-        </p:nvSpPr>
-        <p:spPr/>
-        <p:txBody>
-          <a:bodyPr>
-            <a:normAutofit/>
-          </a:bodyPr>
-          <a:lstStyle/>
-          <a:p>
-            <a:r>
-              <a:rPr lang="zh-TW" altLang="en-US" sz="6000" b="1" dirty="0"/>
-              <a:t>憑你意行</a:t>
-            </a:r>
-          </a:p>
-        </p:txBody>
-      </p:sp>
-      <p:sp>
-        <p:nvSpPr>
-          <p:cNvPr id="5" name="內容版面配置區 4"/>
-          <p:cNvSpPr>
-            <a:spLocks noGrp="1"/>
-          </p:cNvSpPr>
-          <p:nvPr>
-            <p:ph sz="quarter" idx="4294967295"/>
-          </p:nvPr>
-        </p:nvSpPr>
-        <p:spPr>
-          <a:xfrm>
-            <a:off x="0" y="1643050"/>
-            <a:ext cx="9144000" cy="4572032"/>
-          </a:xfrm>
-          <a:prstGeom prst="rect">
-            <a:avLst/>
-          </a:prstGeom>
-        </p:spPr>
-        <p:txBody>
-          <a:bodyPr>
-            <a:normAutofit/>
-          </a:bodyPr>
-          <a:lstStyle/>
-          <a:p>
-            <a:pPr algn="ctr">
-              <a:buNone/>
-            </a:pPr>
-            <a:r>
-              <a:rPr lang="zh-TW" altLang="en-US" sz="5400" b="1" dirty="0"/>
-              <a:t>憑你意</a:t>
-            </a:r>
-            <a:r>
-              <a:rPr lang="zh-TW" altLang="en-US" sz="5400" b="1" dirty="0" smtClean="0"/>
-              <a:t>行  主  憑</a:t>
-            </a:r>
-            <a:r>
-              <a:rPr lang="zh-TW" altLang="en-US" sz="5400" b="1" dirty="0"/>
-              <a:t>你意</a:t>
-            </a:r>
-            <a:r>
-              <a:rPr lang="zh-TW" altLang="en-US" sz="5400" b="1" dirty="0" smtClean="0"/>
-              <a:t>行</a:t>
-            </a:r>
-            <a:endParaRPr lang="en-US" altLang="zh-TW" sz="5400" b="1" dirty="0" smtClean="0"/>
-          </a:p>
-          <a:p>
-            <a:pPr algn="ctr">
-              <a:buNone/>
-            </a:pPr>
-            <a:r>
-              <a:rPr lang="zh-TW" altLang="en-US" sz="5400" b="1" dirty="0" smtClean="0"/>
-              <a:t>因</a:t>
-            </a:r>
-            <a:r>
-              <a:rPr lang="zh-TW" altLang="en-US" sz="5400" b="1" dirty="0"/>
-              <a:t>主是陶</a:t>
-            </a:r>
-            <a:r>
-              <a:rPr lang="zh-TW" altLang="en-US" sz="5400" b="1" dirty="0" smtClean="0"/>
-              <a:t>匠  我</a:t>
-            </a:r>
-            <a:r>
-              <a:rPr lang="zh-TW" altLang="en-US" sz="5400" b="1" dirty="0"/>
-              <a:t>是</a:t>
-            </a:r>
-            <a:r>
-              <a:rPr lang="zh-TW" altLang="en-US" sz="5400" b="1" dirty="0" smtClean="0"/>
-              <a:t>泥土</a:t>
-            </a:r>
-            <a:endParaRPr lang="en-US" altLang="zh-TW" sz="5400" b="1" dirty="0"/>
-          </a:p>
-          <a:p>
-            <a:pPr algn="ctr">
-              <a:buNone/>
-            </a:pPr>
-            <a:r>
-              <a:rPr lang="zh-TW" altLang="en-US" sz="5400" b="1" dirty="0" smtClean="0"/>
-              <a:t>陶</a:t>
-            </a:r>
-            <a:r>
-              <a:rPr lang="zh-TW" altLang="en-US" sz="5400" b="1" dirty="0"/>
-              <a:t>我與造</a:t>
-            </a:r>
-            <a:r>
-              <a:rPr lang="zh-TW" altLang="en-US" sz="5400" b="1" dirty="0" smtClean="0"/>
-              <a:t>我  照</a:t>
-            </a:r>
-            <a:r>
-              <a:rPr lang="zh-TW" altLang="en-US" sz="5400" b="1" dirty="0"/>
-              <a:t>主</a:t>
-            </a:r>
-            <a:r>
-              <a:rPr lang="zh-TW" altLang="en-US" sz="5400" b="1" dirty="0" smtClean="0"/>
-              <a:t>意旨</a:t>
-            </a:r>
-            <a:endParaRPr lang="en-US" altLang="zh-TW" sz="5400" b="1" dirty="0" smtClean="0"/>
-          </a:p>
-          <a:p>
-            <a:pPr algn="ctr">
-              <a:buNone/>
-            </a:pPr>
-            <a:r>
-              <a:rPr lang="zh-TW" altLang="en-US" sz="5400" b="1" dirty="0" smtClean="0"/>
-              <a:t>我</a:t>
-            </a:r>
-            <a:r>
-              <a:rPr lang="zh-TW" altLang="en-US" sz="5400" b="1" dirty="0"/>
-              <a:t>在此</a:t>
-            </a:r>
-            <a:r>
-              <a:rPr lang="zh-TW" altLang="en-US" sz="5400" b="1" dirty="0" smtClean="0"/>
-              <a:t>等待  虔</a:t>
-            </a:r>
-            <a:r>
-              <a:rPr lang="zh-TW" altLang="en-US" sz="5400" b="1" dirty="0"/>
-              <a:t>恭候主</a:t>
             </a:r>
           </a:p>
         </p:txBody>

--- a/(宣道詩108)頌讚主名.pptx
+++ b/(宣道詩108)頌讚主名.pptx
@@ -312,7 +312,7 @@
             <a:fld id="{C6AA4BA2-E9B8-4EFE-9EAE-9EAA4387E320}" type="datetimeFigureOut">
               <a:rPr lang="zh-TW" altLang="en-US" smtClean="0"/>
               <a:pPr/>
-              <a:t>2020/2/28</a:t>
+              <a:t>2020/5/1</a:t>
             </a:fld>
             <a:endParaRPr lang="zh-TW" altLang="en-US"/>
           </a:p>
@@ -479,7 +479,7 @@
             <a:fld id="{C6AA4BA2-E9B8-4EFE-9EAE-9EAA4387E320}" type="datetimeFigureOut">
               <a:rPr lang="zh-TW" altLang="en-US" smtClean="0"/>
               <a:pPr/>
-              <a:t>2020/2/28</a:t>
+              <a:t>2020/5/1</a:t>
             </a:fld>
             <a:endParaRPr lang="zh-TW" altLang="en-US"/>
           </a:p>
@@ -656,7 +656,7 @@
             <a:fld id="{C6AA4BA2-E9B8-4EFE-9EAE-9EAA4387E320}" type="datetimeFigureOut">
               <a:rPr lang="zh-TW" altLang="en-US" smtClean="0"/>
               <a:pPr/>
-              <a:t>2020/2/28</a:t>
+              <a:t>2020/5/1</a:t>
             </a:fld>
             <a:endParaRPr lang="zh-TW" altLang="en-US"/>
           </a:p>
@@ -823,7 +823,7 @@
             <a:fld id="{C6AA4BA2-E9B8-4EFE-9EAE-9EAA4387E320}" type="datetimeFigureOut">
               <a:rPr lang="zh-TW" altLang="en-US" smtClean="0"/>
               <a:pPr/>
-              <a:t>2020/2/28</a:t>
+              <a:t>2020/5/1</a:t>
             </a:fld>
             <a:endParaRPr lang="zh-TW" altLang="en-US"/>
           </a:p>
@@ -1066,7 +1066,7 @@
             <a:fld id="{C6AA4BA2-E9B8-4EFE-9EAE-9EAA4387E320}" type="datetimeFigureOut">
               <a:rPr lang="zh-TW" altLang="en-US" smtClean="0"/>
               <a:pPr/>
-              <a:t>2020/2/28</a:t>
+              <a:t>2020/5/1</a:t>
             </a:fld>
             <a:endParaRPr lang="zh-TW" altLang="en-US"/>
           </a:p>
@@ -1351,7 +1351,7 @@
             <a:fld id="{C6AA4BA2-E9B8-4EFE-9EAE-9EAA4387E320}" type="datetimeFigureOut">
               <a:rPr lang="zh-TW" altLang="en-US" smtClean="0"/>
               <a:pPr/>
-              <a:t>2020/2/28</a:t>
+              <a:t>2020/5/1</a:t>
             </a:fld>
             <a:endParaRPr lang="zh-TW" altLang="en-US"/>
           </a:p>
@@ -1770,7 +1770,7 @@
             <a:fld id="{C6AA4BA2-E9B8-4EFE-9EAE-9EAA4387E320}" type="datetimeFigureOut">
               <a:rPr lang="zh-TW" altLang="en-US" smtClean="0"/>
               <a:pPr/>
-              <a:t>2020/2/28</a:t>
+              <a:t>2020/5/1</a:t>
             </a:fld>
             <a:endParaRPr lang="zh-TW" altLang="en-US"/>
           </a:p>
@@ -1885,7 +1885,7 @@
             <a:fld id="{C6AA4BA2-E9B8-4EFE-9EAE-9EAA4387E320}" type="datetimeFigureOut">
               <a:rPr lang="zh-TW" altLang="en-US" smtClean="0"/>
               <a:pPr/>
-              <a:t>2020/2/28</a:t>
+              <a:t>2020/5/1</a:t>
             </a:fld>
             <a:endParaRPr lang="zh-TW" altLang="en-US"/>
           </a:p>
@@ -1977,7 +1977,7 @@
             <a:fld id="{C6AA4BA2-E9B8-4EFE-9EAE-9EAA4387E320}" type="datetimeFigureOut">
               <a:rPr lang="zh-TW" altLang="en-US" smtClean="0"/>
               <a:pPr/>
-              <a:t>2020/2/28</a:t>
+              <a:t>2020/5/1</a:t>
             </a:fld>
             <a:endParaRPr lang="zh-TW" altLang="en-US"/>
           </a:p>
@@ -2251,7 +2251,7 @@
             <a:fld id="{C6AA4BA2-E9B8-4EFE-9EAE-9EAA4387E320}" type="datetimeFigureOut">
               <a:rPr lang="zh-TW" altLang="en-US" smtClean="0"/>
               <a:pPr/>
-              <a:t>2020/2/28</a:t>
+              <a:t>2020/5/1</a:t>
             </a:fld>
             <a:endParaRPr lang="zh-TW" altLang="en-US"/>
           </a:p>
@@ -2505,7 +2505,7 @@
             <a:fld id="{C6AA4BA2-E9B8-4EFE-9EAE-9EAA4387E320}" type="datetimeFigureOut">
               <a:rPr lang="zh-TW" altLang="en-US" smtClean="0"/>
               <a:pPr/>
-              <a:t>2020/2/28</a:t>
+              <a:t>2020/5/1</a:t>
             </a:fld>
             <a:endParaRPr lang="zh-TW" altLang="en-US"/>
           </a:p>
@@ -2720,7 +2720,7 @@
             <a:fld id="{C6AA4BA2-E9B8-4EFE-9EAE-9EAA4387E320}" type="datetimeFigureOut">
               <a:rPr lang="zh-TW" altLang="en-US" smtClean="0"/>
               <a:pPr/>
-              <a:t>2020/2/28</a:t>
+              <a:t>2020/5/1</a:t>
             </a:fld>
             <a:endParaRPr lang="zh-TW" altLang="en-US"/>
           </a:p>
@@ -3147,17 +3147,7 @@
                 <a:latin typeface="微軟正黑體" pitchFamily="34" charset="-120"/>
                 <a:ea typeface="微軟正黑體" pitchFamily="34" charset="-120"/>
               </a:rPr>
-              <a:t>頌讚榮耀都歸</a:t>
-            </a:r>
-            <a:r>
-              <a:rPr lang="zh-TW" altLang="en-US" sz="5400" b="1" dirty="0">
-                <a:solidFill>
-                  <a:srgbClr val="000066"/>
-                </a:solidFill>
-                <a:latin typeface="微軟正黑體" pitchFamily="34" charset="-120"/>
-                <a:ea typeface="微軟正黑體" pitchFamily="34" charset="-120"/>
-              </a:rPr>
-              <a:t>主宰</a:t>
+              <a:t>頌讚榮耀都歸主宰</a:t>
             </a:r>
             <a:endParaRPr lang="en-US" altLang="zh-TW" sz="5400" b="1" dirty="0">
               <a:solidFill>
@@ -3179,27 +3169,7 @@
                 <a:latin typeface="微軟正黑體" pitchFamily="34" charset="-120"/>
                 <a:ea typeface="微軟正黑體" pitchFamily="34" charset="-120"/>
               </a:rPr>
-              <a:t>至尊</a:t>
-            </a:r>
-            <a:r>
-              <a:rPr lang="zh-TW" altLang="en-US" sz="5400" b="1" dirty="0">
-                <a:solidFill>
-                  <a:srgbClr val="000066"/>
-                </a:solidFill>
-                <a:latin typeface="微軟正黑體" pitchFamily="34" charset="-120"/>
-                <a:ea typeface="微軟正黑體" pitchFamily="34" charset="-120"/>
-              </a:rPr>
-              <a:t>全能</a:t>
-            </a:r>
-            <a:r>
-              <a:rPr lang="zh-TW" altLang="en-US" sz="5400" b="1" dirty="0">
-                <a:solidFill>
-                  <a:srgbClr val="000066"/>
-                </a:solidFill>
-                <a:latin typeface="微軟正黑體" pitchFamily="34" charset="-120"/>
-                <a:ea typeface="微軟正黑體" pitchFamily="34" charset="-120"/>
-              </a:rPr>
-              <a:t>真神</a:t>
+              <a:t>至尊全能真神</a:t>
             </a:r>
             <a:endParaRPr lang="en-US" altLang="zh-TW" sz="5400" b="1" dirty="0">
               <a:solidFill>
@@ -3221,27 +3191,7 @@
                 <a:latin typeface="微軟正黑體" pitchFamily="34" charset="-120"/>
                 <a:ea typeface="微軟正黑體" pitchFamily="34" charset="-120"/>
               </a:rPr>
-              <a:t>祂</a:t>
-            </a:r>
-            <a:r>
-              <a:rPr lang="zh-TW" altLang="en-US" sz="5400" b="1" dirty="0">
-                <a:solidFill>
-                  <a:srgbClr val="000066"/>
-                </a:solidFill>
-                <a:latin typeface="微軟正黑體" pitchFamily="34" charset="-120"/>
-                <a:ea typeface="微軟正黑體" pitchFamily="34" charset="-120"/>
-              </a:rPr>
-              <a:t>愛世人差</a:t>
-            </a:r>
-            <a:r>
-              <a:rPr lang="zh-TW" altLang="en-US" sz="5400" b="1" dirty="0">
-                <a:solidFill>
-                  <a:srgbClr val="000066"/>
-                </a:solidFill>
-                <a:latin typeface="微軟正黑體" pitchFamily="34" charset="-120"/>
-                <a:ea typeface="微軟正黑體" pitchFamily="34" charset="-120"/>
-              </a:rPr>
-              <a:t>獨生子</a:t>
+              <a:t>祂愛世人差獨生子</a:t>
             </a:r>
             <a:endParaRPr lang="en-US" altLang="zh-TW" sz="5400" b="1" dirty="0">
               <a:solidFill>
@@ -3263,18 +3213,46 @@
                 <a:latin typeface="微軟正黑體" pitchFamily="34" charset="-120"/>
                 <a:ea typeface="微軟正黑體" pitchFamily="34" charset="-120"/>
               </a:rPr>
-              <a:t>為人</a:t>
-            </a:r>
-            <a:r>
-              <a:rPr lang="zh-TW" altLang="en-US" sz="5400" b="1" dirty="0">
+              <a:t>為人受死捨身</a:t>
+            </a:r>
+          </a:p>
+        </p:txBody>
+      </p:sp>
+      <p:sp>
+        <p:nvSpPr>
+          <p:cNvPr id="2" name="TextBox 1"/>
+          <p:cNvSpPr txBox="1"/>
+          <p:nvPr/>
+        </p:nvSpPr>
+        <p:spPr>
+          <a:xfrm>
+            <a:off x="1127448" y="1577040"/>
+            <a:ext cx="936104" cy="1015663"/>
+          </a:xfrm>
+          <a:prstGeom prst="rect">
+            <a:avLst/>
+          </a:prstGeom>
+          <a:noFill/>
+        </p:spPr>
+        <p:txBody>
+          <a:bodyPr wrap="square" rtlCol="0">
+            <a:spAutoFit/>
+          </a:bodyPr>
+          <a:lstStyle/>
+          <a:p>
+            <a:r>
+              <a:rPr lang="en-US" sz="6000" b="1" dirty="0" smtClean="0">
                 <a:solidFill>
                   <a:srgbClr val="000066"/>
                 </a:solidFill>
-                <a:latin typeface="微軟正黑體" pitchFamily="34" charset="-120"/>
-                <a:ea typeface="微軟正黑體" pitchFamily="34" charset="-120"/>
               </a:rPr>
-              <a:t>受死捨身</a:t>
-            </a:r>
+              <a:t>1.</a:t>
+            </a:r>
+            <a:endParaRPr lang="vi-VN" sz="6000" b="1" dirty="0">
+              <a:solidFill>
+                <a:srgbClr val="000066"/>
+              </a:solidFill>
+            </a:endParaRPr>
           </a:p>
         </p:txBody>
       </p:sp>
@@ -3361,37 +3339,7 @@
                 <a:latin typeface="微軟正黑體" pitchFamily="34" charset="-120"/>
                 <a:ea typeface="微軟正黑體" pitchFamily="34" charset="-120"/>
               </a:rPr>
-              <a:t>頌讚主聖</a:t>
-            </a:r>
-            <a:r>
-              <a:rPr lang="zh-TW" altLang="en-US" sz="5400" b="1" dirty="0">
-                <a:solidFill>
-                  <a:srgbClr val="000066"/>
-                </a:solidFill>
-                <a:latin typeface="微軟正黑體" pitchFamily="34" charset="-120"/>
-                <a:ea typeface="微軟正黑體" pitchFamily="34" charset="-120"/>
-              </a:rPr>
-              <a:t>名 頌讚</a:t>
-            </a:r>
-            <a:r>
-              <a:rPr lang="zh-TW" altLang="en-US" sz="5400" b="1" dirty="0">
-                <a:solidFill>
-                  <a:srgbClr val="000066"/>
-                </a:solidFill>
-                <a:latin typeface="微軟正黑體" pitchFamily="34" charset="-120"/>
-                <a:ea typeface="微軟正黑體" pitchFamily="34" charset="-120"/>
-              </a:rPr>
-              <a:t>主聖</a:t>
-            </a:r>
-            <a:r>
-              <a:rPr lang="zh-TW" altLang="en-US" sz="5400" b="1" dirty="0">
-                <a:solidFill>
-                  <a:srgbClr val="000066"/>
-                </a:solidFill>
-                <a:latin typeface="微軟正黑體" pitchFamily="34" charset="-120"/>
-                <a:ea typeface="微軟正黑體" pitchFamily="34" charset="-120"/>
-              </a:rPr>
-              <a:t>名</a:t>
+              <a:t>頌讚主聖名 頌讚主聖名</a:t>
             </a:r>
             <a:endParaRPr lang="en-US" altLang="zh-TW" sz="5400" b="1" dirty="0">
               <a:solidFill>
@@ -3413,27 +3361,7 @@
                 <a:latin typeface="微軟正黑體" pitchFamily="34" charset="-120"/>
                 <a:ea typeface="微軟正黑體" pitchFamily="34" charset="-120"/>
               </a:rPr>
-              <a:t>頌讚</a:t>
-            </a:r>
-            <a:r>
-              <a:rPr lang="zh-TW" altLang="en-US" sz="5400" b="1" dirty="0">
-                <a:solidFill>
-                  <a:srgbClr val="000066"/>
-                </a:solidFill>
-                <a:latin typeface="微軟正黑體" pitchFamily="34" charset="-120"/>
-                <a:ea typeface="微軟正黑體" pitchFamily="34" charset="-120"/>
-              </a:rPr>
-              <a:t>榮耀歸主聖</a:t>
-            </a:r>
-            <a:r>
-              <a:rPr lang="zh-TW" altLang="en-US" sz="5400" b="1" dirty="0">
-                <a:solidFill>
-                  <a:srgbClr val="000066"/>
-                </a:solidFill>
-                <a:latin typeface="微軟正黑體" pitchFamily="34" charset="-120"/>
-                <a:ea typeface="微軟正黑體" pitchFamily="34" charset="-120"/>
-              </a:rPr>
-              <a:t>名</a:t>
+              <a:t>頌讚榮耀歸主聖名</a:t>
             </a:r>
             <a:endParaRPr lang="en-US" altLang="zh-TW" sz="5400" b="1" dirty="0">
               <a:solidFill>
@@ -3455,47 +3383,7 @@
                 <a:latin typeface="微軟正黑體" pitchFamily="34" charset="-120"/>
                 <a:ea typeface="微軟正黑體" pitchFamily="34" charset="-120"/>
               </a:rPr>
-              <a:t>頌讚</a:t>
-            </a:r>
-            <a:r>
-              <a:rPr lang="zh-TW" altLang="en-US" sz="5400" b="1" dirty="0">
-                <a:solidFill>
-                  <a:srgbClr val="000066"/>
-                </a:solidFill>
-                <a:latin typeface="微軟正黑體" pitchFamily="34" charset="-120"/>
-                <a:ea typeface="微軟正黑體" pitchFamily="34" charset="-120"/>
-              </a:rPr>
-              <a:t>主聖</a:t>
-            </a:r>
-            <a:r>
-              <a:rPr lang="zh-TW" altLang="en-US" sz="5400" b="1" dirty="0">
-                <a:solidFill>
-                  <a:srgbClr val="000066"/>
-                </a:solidFill>
-                <a:latin typeface="微軟正黑體" pitchFamily="34" charset="-120"/>
-                <a:ea typeface="微軟正黑體" pitchFamily="34" charset="-120"/>
-              </a:rPr>
-              <a:t>名 頌讚</a:t>
-            </a:r>
-            <a:r>
-              <a:rPr lang="zh-TW" altLang="en-US" sz="5400" b="1" dirty="0">
-                <a:solidFill>
-                  <a:srgbClr val="000066"/>
-                </a:solidFill>
-                <a:latin typeface="微軟正黑體" pitchFamily="34" charset="-120"/>
-                <a:ea typeface="微軟正黑體" pitchFamily="34" charset="-120"/>
-              </a:rPr>
-              <a:t>主聖</a:t>
-            </a:r>
-            <a:r>
-              <a:rPr lang="zh-TW" altLang="en-US" sz="5400" b="1" dirty="0">
-                <a:solidFill>
-                  <a:srgbClr val="000066"/>
-                </a:solidFill>
-                <a:latin typeface="微軟正黑體" pitchFamily="34" charset="-120"/>
-                <a:ea typeface="微軟正黑體" pitchFamily="34" charset="-120"/>
-              </a:rPr>
-              <a:t>名</a:t>
+              <a:t>頌讚主聖名 頌讚主聖名</a:t>
             </a:r>
             <a:endParaRPr lang="en-US" altLang="zh-TW" sz="5400" b="1" dirty="0">
               <a:solidFill>
@@ -3517,17 +3405,7 @@
                 <a:latin typeface="微軟正黑體" pitchFamily="34" charset="-120"/>
                 <a:ea typeface="微軟正黑體" pitchFamily="34" charset="-120"/>
               </a:rPr>
-              <a:t>頌讚</a:t>
-            </a:r>
-            <a:r>
-              <a:rPr lang="zh-TW" altLang="en-US" sz="5400" b="1" dirty="0">
-                <a:solidFill>
-                  <a:srgbClr val="000066"/>
-                </a:solidFill>
-                <a:latin typeface="微軟正黑體" pitchFamily="34" charset="-120"/>
-                <a:ea typeface="微軟正黑體" pitchFamily="34" charset="-120"/>
-              </a:rPr>
-              <a:t>榮耀歸主聖名</a:t>
+              <a:t>頌讚榮耀歸主聖名</a:t>
             </a:r>
           </a:p>
         </p:txBody>
@@ -3613,17 +3491,7 @@
                 <a:latin typeface="微軟正黑體" pitchFamily="34" charset="-120"/>
                 <a:ea typeface="微軟正黑體" pitchFamily="34" charset="-120"/>
               </a:rPr>
-              <a:t>主名超乎萬名之</a:t>
-            </a:r>
-            <a:r>
-              <a:rPr lang="zh-TW" altLang="en-US" sz="5400" b="1" dirty="0">
-                <a:solidFill>
-                  <a:srgbClr val="000066"/>
-                </a:solidFill>
-                <a:latin typeface="微軟正黑體" pitchFamily="34" charset="-120"/>
-                <a:ea typeface="微軟正黑體" pitchFamily="34" charset="-120"/>
-              </a:rPr>
-              <a:t>名</a:t>
+              <a:t>主名超乎萬名之名</a:t>
             </a:r>
             <a:endParaRPr lang="en-US" altLang="zh-TW" sz="5400" b="1" dirty="0">
               <a:solidFill>
@@ -3645,27 +3513,7 @@
                 <a:latin typeface="微軟正黑體" pitchFamily="34" charset="-120"/>
                 <a:ea typeface="微軟正黑體" pitchFamily="34" charset="-120"/>
               </a:rPr>
-              <a:t>至高</a:t>
-            </a:r>
-            <a:r>
-              <a:rPr lang="zh-TW" altLang="en-US" sz="5400" b="1" dirty="0">
-                <a:solidFill>
-                  <a:srgbClr val="000066"/>
-                </a:solidFill>
-                <a:latin typeface="微軟正黑體" pitchFamily="34" charset="-120"/>
-                <a:ea typeface="微軟正黑體" pitchFamily="34" charset="-120"/>
-              </a:rPr>
-              <a:t>至尊</a:t>
-            </a:r>
-            <a:r>
-              <a:rPr lang="zh-TW" altLang="en-US" sz="5400" b="1" dirty="0">
-                <a:solidFill>
-                  <a:srgbClr val="000066"/>
-                </a:solidFill>
-                <a:latin typeface="微軟正黑體" pitchFamily="34" charset="-120"/>
-                <a:ea typeface="微軟正黑體" pitchFamily="34" charset="-120"/>
-              </a:rPr>
-              <a:t>至聖</a:t>
+              <a:t>至高至尊至聖</a:t>
             </a:r>
             <a:endParaRPr lang="en-US" altLang="zh-TW" sz="5400" b="1" dirty="0">
               <a:solidFill>
@@ -3687,27 +3535,7 @@
                 <a:latin typeface="微軟正黑體" pitchFamily="34" charset="-120"/>
                 <a:ea typeface="微軟正黑體" pitchFamily="34" charset="-120"/>
               </a:rPr>
-              <a:t> </a:t>
-            </a:r>
-            <a:r>
-              <a:rPr lang="zh-TW" altLang="en-US" sz="5400" b="1" dirty="0">
-                <a:solidFill>
-                  <a:srgbClr val="000066"/>
-                </a:solidFill>
-                <a:latin typeface="微軟正黑體" pitchFamily="34" charset="-120"/>
-                <a:ea typeface="微軟正黑體" pitchFamily="34" charset="-120"/>
-              </a:rPr>
-              <a:t>今坐上帝寶座</a:t>
-            </a:r>
-            <a:r>
-              <a:rPr lang="zh-TW" altLang="en-US" sz="5400" b="1" dirty="0">
-                <a:solidFill>
-                  <a:srgbClr val="000066"/>
-                </a:solidFill>
-                <a:latin typeface="微軟正黑體" pitchFamily="34" charset="-120"/>
-                <a:ea typeface="微軟正黑體" pitchFamily="34" charset="-120"/>
-              </a:rPr>
-              <a:t>右邊</a:t>
+              <a:t> 今坐上帝寶座右邊</a:t>
             </a:r>
             <a:endParaRPr lang="en-US" altLang="zh-TW" sz="5400" b="1" dirty="0">
               <a:solidFill>
@@ -3729,18 +3557,54 @@
                 <a:latin typeface="微軟正黑體" pitchFamily="34" charset="-120"/>
                 <a:ea typeface="微軟正黑體" pitchFamily="34" charset="-120"/>
               </a:rPr>
-              <a:t>天使</a:t>
-            </a:r>
-            <a:r>
-              <a:rPr lang="zh-TW" altLang="en-US" sz="5400" b="1" dirty="0">
+              <a:t>天使崇拜奉敬</a:t>
+            </a:r>
+          </a:p>
+        </p:txBody>
+      </p:sp>
+      <p:sp>
+        <p:nvSpPr>
+          <p:cNvPr id="6" name="TextBox 5"/>
+          <p:cNvSpPr txBox="1"/>
+          <p:nvPr/>
+        </p:nvSpPr>
+        <p:spPr>
+          <a:xfrm>
+            <a:off x="1127448" y="1577040"/>
+            <a:ext cx="936104" cy="1015663"/>
+          </a:xfrm>
+          <a:prstGeom prst="rect">
+            <a:avLst/>
+          </a:prstGeom>
+          <a:noFill/>
+        </p:spPr>
+        <p:txBody>
+          <a:bodyPr wrap="square" rtlCol="0">
+            <a:spAutoFit/>
+          </a:bodyPr>
+          <a:lstStyle/>
+          <a:p>
+            <a:r>
+              <a:rPr lang="en-US" sz="6000" b="1" dirty="0">
                 <a:solidFill>
                   <a:srgbClr val="000066"/>
                 </a:solidFill>
-                <a:latin typeface="微軟正黑體" pitchFamily="34" charset="-120"/>
-                <a:ea typeface="微軟正黑體" pitchFamily="34" charset="-120"/>
               </a:rPr>
-              <a:t>崇拜奉敬</a:t>
-            </a:r>
+              <a:t>2</a:t>
+            </a:r>
+            <a:r>
+              <a:rPr lang="en-US" sz="6000" b="1" dirty="0" smtClean="0">
+                <a:solidFill>
+                  <a:srgbClr val="000066"/>
+                </a:solidFill>
+              </a:rPr>
+              <a:t>.</a:t>
+            </a:r>
+            <a:endParaRPr lang="vi-VN" sz="6000" b="1" dirty="0">
+              <a:solidFill>
+                <a:srgbClr val="000066"/>
+              </a:solidFill>
+            </a:endParaRPr>
           </a:p>
         </p:txBody>
       </p:sp>
@@ -3825,37 +3689,7 @@
                 <a:latin typeface="微軟正黑體" pitchFamily="34" charset="-120"/>
                 <a:ea typeface="微軟正黑體" pitchFamily="34" charset="-120"/>
               </a:rPr>
-              <a:t>頌讚主聖</a:t>
-            </a:r>
-            <a:r>
-              <a:rPr lang="zh-TW" altLang="en-US" sz="5400" b="1" dirty="0">
-                <a:solidFill>
-                  <a:srgbClr val="000066"/>
-                </a:solidFill>
-                <a:latin typeface="微軟正黑體" pitchFamily="34" charset="-120"/>
-                <a:ea typeface="微軟正黑體" pitchFamily="34" charset="-120"/>
-              </a:rPr>
-              <a:t>名 頌讚</a:t>
-            </a:r>
-            <a:r>
-              <a:rPr lang="zh-TW" altLang="en-US" sz="5400" b="1" dirty="0">
-                <a:solidFill>
-                  <a:srgbClr val="000066"/>
-                </a:solidFill>
-                <a:latin typeface="微軟正黑體" pitchFamily="34" charset="-120"/>
-                <a:ea typeface="微軟正黑體" pitchFamily="34" charset="-120"/>
-              </a:rPr>
-              <a:t>主聖</a:t>
-            </a:r>
-            <a:r>
-              <a:rPr lang="zh-TW" altLang="en-US" sz="5400" b="1" dirty="0">
-                <a:solidFill>
-                  <a:srgbClr val="000066"/>
-                </a:solidFill>
-                <a:latin typeface="微軟正黑體" pitchFamily="34" charset="-120"/>
-                <a:ea typeface="微軟正黑體" pitchFamily="34" charset="-120"/>
-              </a:rPr>
-              <a:t>名</a:t>
+              <a:t>頌讚主聖名 頌讚主聖名</a:t>
             </a:r>
             <a:endParaRPr lang="en-US" altLang="zh-TW" sz="5400" b="1" dirty="0">
               <a:solidFill>
@@ -3877,27 +3711,7 @@
                 <a:latin typeface="微軟正黑體" pitchFamily="34" charset="-120"/>
                 <a:ea typeface="微軟正黑體" pitchFamily="34" charset="-120"/>
               </a:rPr>
-              <a:t>頌讚</a:t>
-            </a:r>
-            <a:r>
-              <a:rPr lang="zh-TW" altLang="en-US" sz="5400" b="1" dirty="0">
-                <a:solidFill>
-                  <a:srgbClr val="000066"/>
-                </a:solidFill>
-                <a:latin typeface="微軟正黑體" pitchFamily="34" charset="-120"/>
-                <a:ea typeface="微軟正黑體" pitchFamily="34" charset="-120"/>
-              </a:rPr>
-              <a:t>榮耀歸主聖</a:t>
-            </a:r>
-            <a:r>
-              <a:rPr lang="zh-TW" altLang="en-US" sz="5400" b="1" dirty="0">
-                <a:solidFill>
-                  <a:srgbClr val="000066"/>
-                </a:solidFill>
-                <a:latin typeface="微軟正黑體" pitchFamily="34" charset="-120"/>
-                <a:ea typeface="微軟正黑體" pitchFamily="34" charset="-120"/>
-              </a:rPr>
-              <a:t>名</a:t>
+              <a:t>頌讚榮耀歸主聖名</a:t>
             </a:r>
             <a:endParaRPr lang="en-US" altLang="zh-TW" sz="5400" b="1" dirty="0">
               <a:solidFill>
@@ -3919,47 +3733,7 @@
                 <a:latin typeface="微軟正黑體" pitchFamily="34" charset="-120"/>
                 <a:ea typeface="微軟正黑體" pitchFamily="34" charset="-120"/>
               </a:rPr>
-              <a:t>頌讚</a:t>
-            </a:r>
-            <a:r>
-              <a:rPr lang="zh-TW" altLang="en-US" sz="5400" b="1" dirty="0">
-                <a:solidFill>
-                  <a:srgbClr val="000066"/>
-                </a:solidFill>
-                <a:latin typeface="微軟正黑體" pitchFamily="34" charset="-120"/>
-                <a:ea typeface="微軟正黑體" pitchFamily="34" charset="-120"/>
-              </a:rPr>
-              <a:t>主聖</a:t>
-            </a:r>
-            <a:r>
-              <a:rPr lang="zh-TW" altLang="en-US" sz="5400" b="1" dirty="0">
-                <a:solidFill>
-                  <a:srgbClr val="000066"/>
-                </a:solidFill>
-                <a:latin typeface="微軟正黑體" pitchFamily="34" charset="-120"/>
-                <a:ea typeface="微軟正黑體" pitchFamily="34" charset="-120"/>
-              </a:rPr>
-              <a:t>名 頌讚</a:t>
-            </a:r>
-            <a:r>
-              <a:rPr lang="zh-TW" altLang="en-US" sz="5400" b="1" dirty="0">
-                <a:solidFill>
-                  <a:srgbClr val="000066"/>
-                </a:solidFill>
-                <a:latin typeface="微軟正黑體" pitchFamily="34" charset="-120"/>
-                <a:ea typeface="微軟正黑體" pitchFamily="34" charset="-120"/>
-              </a:rPr>
-              <a:t>主聖</a:t>
-            </a:r>
-            <a:r>
-              <a:rPr lang="zh-TW" altLang="en-US" sz="5400" b="1" dirty="0">
-                <a:solidFill>
-                  <a:srgbClr val="000066"/>
-                </a:solidFill>
-                <a:latin typeface="微軟正黑體" pitchFamily="34" charset="-120"/>
-                <a:ea typeface="微軟正黑體" pitchFamily="34" charset="-120"/>
-              </a:rPr>
-              <a:t>名</a:t>
+              <a:t>頌讚主聖名 頌讚主聖名</a:t>
             </a:r>
             <a:endParaRPr lang="en-US" altLang="zh-TW" sz="5400" b="1" dirty="0">
               <a:solidFill>
@@ -3981,17 +3755,7 @@
                 <a:latin typeface="微軟正黑體" pitchFamily="34" charset="-120"/>
                 <a:ea typeface="微軟正黑體" pitchFamily="34" charset="-120"/>
               </a:rPr>
-              <a:t>頌讚</a:t>
-            </a:r>
-            <a:r>
-              <a:rPr lang="zh-TW" altLang="en-US" sz="5400" b="1" dirty="0">
-                <a:solidFill>
-                  <a:srgbClr val="000066"/>
-                </a:solidFill>
-                <a:latin typeface="微軟正黑體" pitchFamily="34" charset="-120"/>
-                <a:ea typeface="微軟正黑體" pitchFamily="34" charset="-120"/>
-              </a:rPr>
-              <a:t>榮耀歸主聖名</a:t>
+              <a:t>頌讚榮耀歸主聖名</a:t>
             </a:r>
           </a:p>
         </p:txBody>
@@ -4077,17 +3841,7 @@
                 <a:latin typeface="微軟正黑體" pitchFamily="34" charset="-120"/>
                 <a:ea typeface="微軟正黑體" pitchFamily="34" charset="-120"/>
               </a:rPr>
-              <a:t>罪人良友乃救贖</a:t>
-            </a:r>
-            <a:r>
-              <a:rPr lang="zh-TW" altLang="en-US" sz="5400" b="1" dirty="0">
-                <a:solidFill>
-                  <a:srgbClr val="000066"/>
-                </a:solidFill>
-                <a:latin typeface="微軟正黑體" pitchFamily="34" charset="-120"/>
-                <a:ea typeface="微軟正黑體" pitchFamily="34" charset="-120"/>
-              </a:rPr>
-              <a:t>主</a:t>
+              <a:t>罪人良友乃救贖主</a:t>
             </a:r>
             <a:endParaRPr lang="en-US" altLang="zh-TW" sz="5400" b="1" dirty="0">
               <a:solidFill>
@@ -4109,27 +3863,7 @@
                 <a:latin typeface="微軟正黑體" pitchFamily="34" charset="-120"/>
                 <a:ea typeface="微軟正黑體" pitchFamily="34" charset="-120"/>
               </a:rPr>
-              <a:t>因</a:t>
-            </a:r>
-            <a:r>
-              <a:rPr lang="zh-TW" altLang="en-US" sz="5400" b="1" dirty="0">
-                <a:solidFill>
-                  <a:srgbClr val="000066"/>
-                </a:solidFill>
-                <a:latin typeface="微軟正黑體" pitchFamily="34" charset="-120"/>
-                <a:ea typeface="微軟正黑體" pitchFamily="34" charset="-120"/>
-              </a:rPr>
-              <a:t>憐罪人</a:t>
-            </a:r>
-            <a:r>
-              <a:rPr lang="zh-TW" altLang="en-US" sz="5400" b="1" dirty="0">
-                <a:solidFill>
-                  <a:srgbClr val="000066"/>
-                </a:solidFill>
-                <a:latin typeface="微軟正黑體" pitchFamily="34" charset="-120"/>
-                <a:ea typeface="微軟正黑體" pitchFamily="34" charset="-120"/>
-              </a:rPr>
-              <a:t>來世</a:t>
+              <a:t>因憐罪人來世</a:t>
             </a:r>
             <a:endParaRPr lang="en-US" altLang="zh-TW" sz="5400" b="1" dirty="0">
               <a:solidFill>
@@ -4151,27 +3885,7 @@
                 <a:latin typeface="微軟正黑體" pitchFamily="34" charset="-120"/>
                 <a:ea typeface="微軟正黑體" pitchFamily="34" charset="-120"/>
               </a:rPr>
-              <a:t>神</a:t>
-            </a:r>
-            <a:r>
-              <a:rPr lang="zh-TW" altLang="en-US" sz="5400" b="1" dirty="0">
-                <a:solidFill>
-                  <a:srgbClr val="000066"/>
-                </a:solidFill>
-                <a:latin typeface="微軟正黑體" pitchFamily="34" charset="-120"/>
-                <a:ea typeface="微軟正黑體" pitchFamily="34" charset="-120"/>
-              </a:rPr>
-              <a:t>奇妙愛預備救</a:t>
-            </a:r>
-            <a:r>
-              <a:rPr lang="zh-TW" altLang="en-US" sz="5400" b="1" dirty="0">
-                <a:solidFill>
-                  <a:srgbClr val="000066"/>
-                </a:solidFill>
-                <a:latin typeface="微軟正黑體" pitchFamily="34" charset="-120"/>
-                <a:ea typeface="微軟正黑體" pitchFamily="34" charset="-120"/>
-              </a:rPr>
-              <a:t>恩</a:t>
+              <a:t>神奇妙愛預備救恩</a:t>
             </a:r>
             <a:endParaRPr lang="en-US" altLang="zh-TW" sz="5400" b="1" dirty="0">
               <a:solidFill>
@@ -4193,18 +3907,54 @@
                 <a:latin typeface="微軟正黑體" pitchFamily="34" charset="-120"/>
                 <a:ea typeface="微軟正黑體" pitchFamily="34" charset="-120"/>
               </a:rPr>
-              <a:t>差</a:t>
-            </a:r>
-            <a:r>
-              <a:rPr lang="zh-TW" altLang="en-US" sz="5400" b="1" dirty="0">
+              <a:t>差主為萬人死</a:t>
+            </a:r>
+          </a:p>
+        </p:txBody>
+      </p:sp>
+      <p:sp>
+        <p:nvSpPr>
+          <p:cNvPr id="6" name="TextBox 5"/>
+          <p:cNvSpPr txBox="1"/>
+          <p:nvPr/>
+        </p:nvSpPr>
+        <p:spPr>
+          <a:xfrm>
+            <a:off x="1127448" y="1577040"/>
+            <a:ext cx="936104" cy="1015663"/>
+          </a:xfrm>
+          <a:prstGeom prst="rect">
+            <a:avLst/>
+          </a:prstGeom>
+          <a:noFill/>
+        </p:spPr>
+        <p:txBody>
+          <a:bodyPr wrap="square" rtlCol="0">
+            <a:spAutoFit/>
+          </a:bodyPr>
+          <a:lstStyle/>
+          <a:p>
+            <a:r>
+              <a:rPr lang="en-US" sz="6000" b="1" dirty="0">
                 <a:solidFill>
                   <a:srgbClr val="000066"/>
                 </a:solidFill>
-                <a:latin typeface="微軟正黑體" pitchFamily="34" charset="-120"/>
-                <a:ea typeface="微軟正黑體" pitchFamily="34" charset="-120"/>
               </a:rPr>
-              <a:t>主為萬人死</a:t>
-            </a:r>
+              <a:t>3</a:t>
+            </a:r>
+            <a:r>
+              <a:rPr lang="en-US" sz="6000" b="1" dirty="0" smtClean="0">
+                <a:solidFill>
+                  <a:srgbClr val="000066"/>
+                </a:solidFill>
+              </a:rPr>
+              <a:t>.</a:t>
+            </a:r>
+            <a:endParaRPr lang="vi-VN" sz="6000" b="1" dirty="0">
+              <a:solidFill>
+                <a:srgbClr val="000066"/>
+              </a:solidFill>
+            </a:endParaRPr>
           </a:p>
         </p:txBody>
       </p:sp>
@@ -4289,37 +4039,7 @@
                 <a:latin typeface="微軟正黑體" pitchFamily="34" charset="-120"/>
                 <a:ea typeface="微軟正黑體" pitchFamily="34" charset="-120"/>
               </a:rPr>
-              <a:t>頌讚主聖</a:t>
-            </a:r>
-            <a:r>
-              <a:rPr lang="zh-TW" altLang="en-US" sz="5400" b="1" dirty="0">
-                <a:solidFill>
-                  <a:srgbClr val="000066"/>
-                </a:solidFill>
-                <a:latin typeface="微軟正黑體" pitchFamily="34" charset="-120"/>
-                <a:ea typeface="微軟正黑體" pitchFamily="34" charset="-120"/>
-              </a:rPr>
-              <a:t>名 頌讚</a:t>
-            </a:r>
-            <a:r>
-              <a:rPr lang="zh-TW" altLang="en-US" sz="5400" b="1" dirty="0">
-                <a:solidFill>
-                  <a:srgbClr val="000066"/>
-                </a:solidFill>
-                <a:latin typeface="微軟正黑體" pitchFamily="34" charset="-120"/>
-                <a:ea typeface="微軟正黑體" pitchFamily="34" charset="-120"/>
-              </a:rPr>
-              <a:t>主聖</a:t>
-            </a:r>
-            <a:r>
-              <a:rPr lang="zh-TW" altLang="en-US" sz="5400" b="1" dirty="0">
-                <a:solidFill>
-                  <a:srgbClr val="000066"/>
-                </a:solidFill>
-                <a:latin typeface="微軟正黑體" pitchFamily="34" charset="-120"/>
-                <a:ea typeface="微軟正黑體" pitchFamily="34" charset="-120"/>
-              </a:rPr>
-              <a:t>名</a:t>
+              <a:t>頌讚主聖名 頌讚主聖名</a:t>
             </a:r>
             <a:endParaRPr lang="en-US" altLang="zh-TW" sz="5400" b="1" dirty="0">
               <a:solidFill>
@@ -4341,27 +4061,7 @@
                 <a:latin typeface="微軟正黑體" pitchFamily="34" charset="-120"/>
                 <a:ea typeface="微軟正黑體" pitchFamily="34" charset="-120"/>
               </a:rPr>
-              <a:t>頌讚</a:t>
-            </a:r>
-            <a:r>
-              <a:rPr lang="zh-TW" altLang="en-US" sz="5400" b="1" dirty="0">
-                <a:solidFill>
-                  <a:srgbClr val="000066"/>
-                </a:solidFill>
-                <a:latin typeface="微軟正黑體" pitchFamily="34" charset="-120"/>
-                <a:ea typeface="微軟正黑體" pitchFamily="34" charset="-120"/>
-              </a:rPr>
-              <a:t>榮耀歸主聖</a:t>
-            </a:r>
-            <a:r>
-              <a:rPr lang="zh-TW" altLang="en-US" sz="5400" b="1" dirty="0">
-                <a:solidFill>
-                  <a:srgbClr val="000066"/>
-                </a:solidFill>
-                <a:latin typeface="微軟正黑體" pitchFamily="34" charset="-120"/>
-                <a:ea typeface="微軟正黑體" pitchFamily="34" charset="-120"/>
-              </a:rPr>
-              <a:t>名</a:t>
+              <a:t>頌讚榮耀歸主聖名</a:t>
             </a:r>
             <a:endParaRPr lang="en-US" altLang="zh-TW" sz="5400" b="1" dirty="0">
               <a:solidFill>
@@ -4383,47 +4083,7 @@
                 <a:latin typeface="微軟正黑體" pitchFamily="34" charset="-120"/>
                 <a:ea typeface="微軟正黑體" pitchFamily="34" charset="-120"/>
               </a:rPr>
-              <a:t>頌讚</a:t>
-            </a:r>
-            <a:r>
-              <a:rPr lang="zh-TW" altLang="en-US" sz="5400" b="1" dirty="0">
-                <a:solidFill>
-                  <a:srgbClr val="000066"/>
-                </a:solidFill>
-                <a:latin typeface="微軟正黑體" pitchFamily="34" charset="-120"/>
-                <a:ea typeface="微軟正黑體" pitchFamily="34" charset="-120"/>
-              </a:rPr>
-              <a:t>主聖</a:t>
-            </a:r>
-            <a:r>
-              <a:rPr lang="zh-TW" altLang="en-US" sz="5400" b="1" dirty="0">
-                <a:solidFill>
-                  <a:srgbClr val="000066"/>
-                </a:solidFill>
-                <a:latin typeface="微軟正黑體" pitchFamily="34" charset="-120"/>
-                <a:ea typeface="微軟正黑體" pitchFamily="34" charset="-120"/>
-              </a:rPr>
-              <a:t>名 頌讚</a:t>
-            </a:r>
-            <a:r>
-              <a:rPr lang="zh-TW" altLang="en-US" sz="5400" b="1" dirty="0">
-                <a:solidFill>
-                  <a:srgbClr val="000066"/>
-                </a:solidFill>
-                <a:latin typeface="微軟正黑體" pitchFamily="34" charset="-120"/>
-                <a:ea typeface="微軟正黑體" pitchFamily="34" charset="-120"/>
-              </a:rPr>
-              <a:t>主聖</a:t>
-            </a:r>
-            <a:r>
-              <a:rPr lang="zh-TW" altLang="en-US" sz="5400" b="1" dirty="0">
-                <a:solidFill>
-                  <a:srgbClr val="000066"/>
-                </a:solidFill>
-                <a:latin typeface="微軟正黑體" pitchFamily="34" charset="-120"/>
-                <a:ea typeface="微軟正黑體" pitchFamily="34" charset="-120"/>
-              </a:rPr>
-              <a:t>名</a:t>
+              <a:t>頌讚主聖名 頌讚主聖名</a:t>
             </a:r>
             <a:endParaRPr lang="en-US" altLang="zh-TW" sz="5400" b="1" dirty="0">
               <a:solidFill>
@@ -4445,17 +4105,7 @@
                 <a:latin typeface="微軟正黑體" pitchFamily="34" charset="-120"/>
                 <a:ea typeface="微軟正黑體" pitchFamily="34" charset="-120"/>
               </a:rPr>
-              <a:t>頌讚</a:t>
-            </a:r>
-            <a:r>
-              <a:rPr lang="zh-TW" altLang="en-US" sz="5400" b="1" dirty="0">
-                <a:solidFill>
-                  <a:srgbClr val="000066"/>
-                </a:solidFill>
-                <a:latin typeface="微軟正黑體" pitchFamily="34" charset="-120"/>
-                <a:ea typeface="微軟正黑體" pitchFamily="34" charset="-120"/>
-              </a:rPr>
-              <a:t>榮耀歸主聖名</a:t>
+              <a:t>頌讚榮耀歸主聖名</a:t>
             </a:r>
           </a:p>
         </p:txBody>
@@ -4541,17 +4191,7 @@
                 <a:latin typeface="微軟正黑體" pitchFamily="34" charset="-120"/>
                 <a:ea typeface="微軟正黑體" pitchFamily="34" charset="-120"/>
               </a:rPr>
-              <a:t>祂名稱為奇妙</a:t>
-            </a:r>
-            <a:r>
-              <a:rPr lang="zh-TW" altLang="en-US" sz="5400" b="1" dirty="0">
-                <a:solidFill>
-                  <a:srgbClr val="000066"/>
-                </a:solidFill>
-                <a:latin typeface="微軟正黑體" pitchFamily="34" charset="-120"/>
-                <a:ea typeface="微軟正黑體" pitchFamily="34" charset="-120"/>
-              </a:rPr>
-              <a:t>策士</a:t>
+              <a:t>祂名稱為奇妙策士</a:t>
             </a:r>
             <a:endParaRPr lang="en-US" altLang="zh-TW" sz="5400" b="1" dirty="0">
               <a:solidFill>
@@ -4573,27 +4213,7 @@
                 <a:latin typeface="微軟正黑體" pitchFamily="34" charset="-120"/>
                 <a:ea typeface="微軟正黑體" pitchFamily="34" charset="-120"/>
               </a:rPr>
-              <a:t>和平</a:t>
-            </a:r>
-            <a:r>
-              <a:rPr lang="zh-TW" altLang="en-US" sz="5400" b="1" dirty="0">
-                <a:solidFill>
-                  <a:srgbClr val="000066"/>
-                </a:solidFill>
-                <a:latin typeface="微軟正黑體" pitchFamily="34" charset="-120"/>
-                <a:ea typeface="微軟正黑體" pitchFamily="34" charset="-120"/>
-              </a:rPr>
-              <a:t>全能之</a:t>
-            </a:r>
-            <a:r>
-              <a:rPr lang="zh-TW" altLang="en-US" sz="5400" b="1" dirty="0">
-                <a:solidFill>
-                  <a:srgbClr val="000066"/>
-                </a:solidFill>
-                <a:latin typeface="微軟正黑體" pitchFamily="34" charset="-120"/>
-                <a:ea typeface="微軟正黑體" pitchFamily="34" charset="-120"/>
-              </a:rPr>
-              <a:t>君</a:t>
+              <a:t>和平全能之君</a:t>
             </a:r>
             <a:endParaRPr lang="en-US" altLang="zh-TW" sz="5400" b="1" dirty="0">
               <a:solidFill>
@@ -4615,27 +4235,7 @@
                 <a:latin typeface="微軟正黑體" pitchFamily="34" charset="-120"/>
                 <a:ea typeface="微軟正黑體" pitchFamily="34" charset="-120"/>
               </a:rPr>
-              <a:t>萬</a:t>
-            </a:r>
-            <a:r>
-              <a:rPr lang="zh-TW" altLang="en-US" sz="5400" b="1" dirty="0">
-                <a:solidFill>
-                  <a:srgbClr val="000066"/>
-                </a:solidFill>
-                <a:latin typeface="微軟正黑體" pitchFamily="34" charset="-120"/>
-                <a:ea typeface="微軟正黑體" pitchFamily="34" charset="-120"/>
-              </a:rPr>
-              <a:t>王還須俯伏</a:t>
-            </a:r>
-            <a:r>
-              <a:rPr lang="zh-TW" altLang="en-US" sz="5400" b="1" dirty="0">
-                <a:solidFill>
-                  <a:srgbClr val="000066"/>
-                </a:solidFill>
-                <a:latin typeface="微軟正黑體" pitchFamily="34" charset="-120"/>
-                <a:ea typeface="微軟正黑體" pitchFamily="34" charset="-120"/>
-              </a:rPr>
-              <a:t>崇拜</a:t>
+              <a:t>萬王還須俯伏崇拜</a:t>
             </a:r>
             <a:endParaRPr lang="en-US" altLang="zh-TW" sz="5400" b="1" dirty="0">
               <a:solidFill>
@@ -4657,18 +4257,54 @@
                 <a:latin typeface="微軟正黑體" pitchFamily="34" charset="-120"/>
                 <a:ea typeface="微軟正黑體" pitchFamily="34" charset="-120"/>
               </a:rPr>
-              <a:t>掌權</a:t>
-            </a:r>
-            <a:r>
-              <a:rPr lang="zh-TW" altLang="en-US" sz="5400" b="1" dirty="0">
+              <a:t>掌權無窮無盡</a:t>
+            </a:r>
+          </a:p>
+        </p:txBody>
+      </p:sp>
+      <p:sp>
+        <p:nvSpPr>
+          <p:cNvPr id="6" name="TextBox 5"/>
+          <p:cNvSpPr txBox="1"/>
+          <p:nvPr/>
+        </p:nvSpPr>
+        <p:spPr>
+          <a:xfrm>
+            <a:off x="1127448" y="1577040"/>
+            <a:ext cx="936104" cy="1015663"/>
+          </a:xfrm>
+          <a:prstGeom prst="rect">
+            <a:avLst/>
+          </a:prstGeom>
+          <a:noFill/>
+        </p:spPr>
+        <p:txBody>
+          <a:bodyPr wrap="square" rtlCol="0">
+            <a:spAutoFit/>
+          </a:bodyPr>
+          <a:lstStyle/>
+          <a:p>
+            <a:r>
+              <a:rPr lang="en-US" sz="6000" b="1" dirty="0">
                 <a:solidFill>
                   <a:srgbClr val="000066"/>
                 </a:solidFill>
-                <a:latin typeface="微軟正黑體" pitchFamily="34" charset="-120"/>
-                <a:ea typeface="微軟正黑體" pitchFamily="34" charset="-120"/>
               </a:rPr>
-              <a:t>無窮無盡</a:t>
-            </a:r>
+              <a:t>4</a:t>
+            </a:r>
+            <a:r>
+              <a:rPr lang="en-US" sz="6000" b="1" smtClean="0">
+                <a:solidFill>
+                  <a:srgbClr val="000066"/>
+                </a:solidFill>
+              </a:rPr>
+              <a:t>.</a:t>
+            </a:r>
+            <a:endParaRPr lang="vi-VN" sz="6000" b="1" dirty="0">
+              <a:solidFill>
+                <a:srgbClr val="000066"/>
+              </a:solidFill>
+            </a:endParaRPr>
           </a:p>
         </p:txBody>
       </p:sp>
@@ -4753,37 +4389,7 @@
                 <a:latin typeface="微軟正黑體" pitchFamily="34" charset="-120"/>
                 <a:ea typeface="微軟正黑體" pitchFamily="34" charset="-120"/>
               </a:rPr>
-              <a:t>頌讚主聖</a:t>
-            </a:r>
-            <a:r>
-              <a:rPr lang="zh-TW" altLang="en-US" sz="5400" b="1" dirty="0">
-                <a:solidFill>
-                  <a:srgbClr val="000066"/>
-                </a:solidFill>
-                <a:latin typeface="微軟正黑體" pitchFamily="34" charset="-120"/>
-                <a:ea typeface="微軟正黑體" pitchFamily="34" charset="-120"/>
-              </a:rPr>
-              <a:t>名 頌讚</a:t>
-            </a:r>
-            <a:r>
-              <a:rPr lang="zh-TW" altLang="en-US" sz="5400" b="1" dirty="0">
-                <a:solidFill>
-                  <a:srgbClr val="000066"/>
-                </a:solidFill>
-                <a:latin typeface="微軟正黑體" pitchFamily="34" charset="-120"/>
-                <a:ea typeface="微軟正黑體" pitchFamily="34" charset="-120"/>
-              </a:rPr>
-              <a:t>主聖</a:t>
-            </a:r>
-            <a:r>
-              <a:rPr lang="zh-TW" altLang="en-US" sz="5400" b="1" dirty="0">
-                <a:solidFill>
-                  <a:srgbClr val="000066"/>
-                </a:solidFill>
-                <a:latin typeface="微軟正黑體" pitchFamily="34" charset="-120"/>
-                <a:ea typeface="微軟正黑體" pitchFamily="34" charset="-120"/>
-              </a:rPr>
-              <a:t>名</a:t>
+              <a:t>頌讚主聖名 頌讚主聖名</a:t>
             </a:r>
             <a:endParaRPr lang="en-US" altLang="zh-TW" sz="5400" b="1" dirty="0">
               <a:solidFill>
@@ -4805,27 +4411,7 @@
                 <a:latin typeface="微軟正黑體" pitchFamily="34" charset="-120"/>
                 <a:ea typeface="微軟正黑體" pitchFamily="34" charset="-120"/>
               </a:rPr>
-              <a:t>頌讚</a:t>
-            </a:r>
-            <a:r>
-              <a:rPr lang="zh-TW" altLang="en-US" sz="5400" b="1" dirty="0">
-                <a:solidFill>
-                  <a:srgbClr val="000066"/>
-                </a:solidFill>
-                <a:latin typeface="微軟正黑體" pitchFamily="34" charset="-120"/>
-                <a:ea typeface="微軟正黑體" pitchFamily="34" charset="-120"/>
-              </a:rPr>
-              <a:t>榮耀歸主聖</a:t>
-            </a:r>
-            <a:r>
-              <a:rPr lang="zh-TW" altLang="en-US" sz="5400" b="1" dirty="0">
-                <a:solidFill>
-                  <a:srgbClr val="000066"/>
-                </a:solidFill>
-                <a:latin typeface="微軟正黑體" pitchFamily="34" charset="-120"/>
-                <a:ea typeface="微軟正黑體" pitchFamily="34" charset="-120"/>
-              </a:rPr>
-              <a:t>名</a:t>
+              <a:t>頌讚榮耀歸主聖名</a:t>
             </a:r>
             <a:endParaRPr lang="en-US" altLang="zh-TW" sz="5400" b="1" dirty="0">
               <a:solidFill>
@@ -4847,47 +4433,7 @@
                 <a:latin typeface="微軟正黑體" pitchFamily="34" charset="-120"/>
                 <a:ea typeface="微軟正黑體" pitchFamily="34" charset="-120"/>
               </a:rPr>
-              <a:t>頌讚</a:t>
-            </a:r>
-            <a:r>
-              <a:rPr lang="zh-TW" altLang="en-US" sz="5400" b="1" dirty="0">
-                <a:solidFill>
-                  <a:srgbClr val="000066"/>
-                </a:solidFill>
-                <a:latin typeface="微軟正黑體" pitchFamily="34" charset="-120"/>
-                <a:ea typeface="微軟正黑體" pitchFamily="34" charset="-120"/>
-              </a:rPr>
-              <a:t>主聖</a:t>
-            </a:r>
-            <a:r>
-              <a:rPr lang="zh-TW" altLang="en-US" sz="5400" b="1" dirty="0">
-                <a:solidFill>
-                  <a:srgbClr val="000066"/>
-                </a:solidFill>
-                <a:latin typeface="微軟正黑體" pitchFamily="34" charset="-120"/>
-                <a:ea typeface="微軟正黑體" pitchFamily="34" charset="-120"/>
-              </a:rPr>
-              <a:t>名 頌讚</a:t>
-            </a:r>
-            <a:r>
-              <a:rPr lang="zh-TW" altLang="en-US" sz="5400" b="1" dirty="0">
-                <a:solidFill>
-                  <a:srgbClr val="000066"/>
-                </a:solidFill>
-                <a:latin typeface="微軟正黑體" pitchFamily="34" charset="-120"/>
-                <a:ea typeface="微軟正黑體" pitchFamily="34" charset="-120"/>
-              </a:rPr>
-              <a:t>主聖</a:t>
-            </a:r>
-            <a:r>
-              <a:rPr lang="zh-TW" altLang="en-US" sz="5400" b="1" dirty="0">
-                <a:solidFill>
-                  <a:srgbClr val="000066"/>
-                </a:solidFill>
-                <a:latin typeface="微軟正黑體" pitchFamily="34" charset="-120"/>
-                <a:ea typeface="微軟正黑體" pitchFamily="34" charset="-120"/>
-              </a:rPr>
-              <a:t>名</a:t>
+              <a:t>頌讚主聖名 頌讚主聖名</a:t>
             </a:r>
             <a:endParaRPr lang="en-US" altLang="zh-TW" sz="5400" b="1" dirty="0">
               <a:solidFill>
@@ -4909,17 +4455,7 @@
                 <a:latin typeface="微軟正黑體" pitchFamily="34" charset="-120"/>
                 <a:ea typeface="微軟正黑體" pitchFamily="34" charset="-120"/>
               </a:rPr>
-              <a:t>頌讚</a:t>
-            </a:r>
-            <a:r>
-              <a:rPr lang="zh-TW" altLang="en-US" sz="5400" b="1" dirty="0">
-                <a:solidFill>
-                  <a:srgbClr val="000066"/>
-                </a:solidFill>
-                <a:latin typeface="微軟正黑體" pitchFamily="34" charset="-120"/>
-                <a:ea typeface="微軟正黑體" pitchFamily="34" charset="-120"/>
-              </a:rPr>
-              <a:t>榮耀歸主聖名</a:t>
+              <a:t>頌讚榮耀歸主聖名</a:t>
             </a:r>
           </a:p>
         </p:txBody>
